--- a/v.haponov/Presentation/Valentyn_Haponov.pptx
+++ b/v.haponov/Presentation/Valentyn_Haponov.pptx
@@ -14,6 +14,7 @@
     <p:sldId id="261" r:id="rId8"/>
     <p:sldId id="262" r:id="rId9"/>
     <p:sldId id="264" r:id="rId10"/>
+    <p:sldId id="265" r:id="rId11"/>
   </p:sldIdLst>
   <p:sldSz cx="12192000" cy="6858000"/>
   <p:notesSz cx="6858000" cy="9144000"/>
@@ -267,7 +268,7 @@
           <a:p>
             <a:fld id="{FCA662B4-D131-4ADB-BA10-D9BA9FBC173B}" type="datetimeFigureOut">
               <a:rPr lang="ru-RU" smtClean="0"/>
-              <a:t>04.06.2020</a:t>
+              <a:t>05.06.2020</a:t>
             </a:fld>
             <a:endParaRPr lang="ru-RU"/>
           </a:p>
@@ -465,7 +466,7 @@
           <a:p>
             <a:fld id="{FCA662B4-D131-4ADB-BA10-D9BA9FBC173B}" type="datetimeFigureOut">
               <a:rPr lang="ru-RU" smtClean="0"/>
-              <a:t>04.06.2020</a:t>
+              <a:t>05.06.2020</a:t>
             </a:fld>
             <a:endParaRPr lang="ru-RU"/>
           </a:p>
@@ -673,7 +674,7 @@
           <a:p>
             <a:fld id="{FCA662B4-D131-4ADB-BA10-D9BA9FBC173B}" type="datetimeFigureOut">
               <a:rPr lang="ru-RU" smtClean="0"/>
-              <a:t>04.06.2020</a:t>
+              <a:t>05.06.2020</a:t>
             </a:fld>
             <a:endParaRPr lang="ru-RU"/>
           </a:p>
@@ -871,7 +872,7 @@
           <a:p>
             <a:fld id="{FCA662B4-D131-4ADB-BA10-D9BA9FBC173B}" type="datetimeFigureOut">
               <a:rPr lang="ru-RU" smtClean="0"/>
-              <a:t>04.06.2020</a:t>
+              <a:t>05.06.2020</a:t>
             </a:fld>
             <a:endParaRPr lang="ru-RU"/>
           </a:p>
@@ -1146,7 +1147,7 @@
           <a:p>
             <a:fld id="{FCA662B4-D131-4ADB-BA10-D9BA9FBC173B}" type="datetimeFigureOut">
               <a:rPr lang="ru-RU" smtClean="0"/>
-              <a:t>04.06.2020</a:t>
+              <a:t>05.06.2020</a:t>
             </a:fld>
             <a:endParaRPr lang="ru-RU"/>
           </a:p>
@@ -1411,7 +1412,7 @@
           <a:p>
             <a:fld id="{FCA662B4-D131-4ADB-BA10-D9BA9FBC173B}" type="datetimeFigureOut">
               <a:rPr lang="ru-RU" smtClean="0"/>
-              <a:t>04.06.2020</a:t>
+              <a:t>05.06.2020</a:t>
             </a:fld>
             <a:endParaRPr lang="ru-RU"/>
           </a:p>
@@ -1823,7 +1824,7 @@
           <a:p>
             <a:fld id="{FCA662B4-D131-4ADB-BA10-D9BA9FBC173B}" type="datetimeFigureOut">
               <a:rPr lang="ru-RU" smtClean="0"/>
-              <a:t>04.06.2020</a:t>
+              <a:t>05.06.2020</a:t>
             </a:fld>
             <a:endParaRPr lang="ru-RU"/>
           </a:p>
@@ -1964,7 +1965,7 @@
           <a:p>
             <a:fld id="{FCA662B4-D131-4ADB-BA10-D9BA9FBC173B}" type="datetimeFigureOut">
               <a:rPr lang="ru-RU" smtClean="0"/>
-              <a:t>04.06.2020</a:t>
+              <a:t>05.06.2020</a:t>
             </a:fld>
             <a:endParaRPr lang="ru-RU"/>
           </a:p>
@@ -2077,7 +2078,7 @@
           <a:p>
             <a:fld id="{FCA662B4-D131-4ADB-BA10-D9BA9FBC173B}" type="datetimeFigureOut">
               <a:rPr lang="ru-RU" smtClean="0"/>
-              <a:t>04.06.2020</a:t>
+              <a:t>05.06.2020</a:t>
             </a:fld>
             <a:endParaRPr lang="ru-RU"/>
           </a:p>
@@ -2388,7 +2389,7 @@
           <a:p>
             <a:fld id="{FCA662B4-D131-4ADB-BA10-D9BA9FBC173B}" type="datetimeFigureOut">
               <a:rPr lang="ru-RU" smtClean="0"/>
-              <a:t>04.06.2020</a:t>
+              <a:t>05.06.2020</a:t>
             </a:fld>
             <a:endParaRPr lang="ru-RU"/>
           </a:p>
@@ -2676,7 +2677,7 @@
           <a:p>
             <a:fld id="{FCA662B4-D131-4ADB-BA10-D9BA9FBC173B}" type="datetimeFigureOut">
               <a:rPr lang="ru-RU" smtClean="0"/>
-              <a:t>04.06.2020</a:t>
+              <a:t>05.06.2020</a:t>
             </a:fld>
             <a:endParaRPr lang="ru-RU"/>
           </a:p>
@@ -2917,7 +2918,7 @@
           <a:p>
             <a:fld id="{FCA662B4-D131-4ADB-BA10-D9BA9FBC173B}" type="datetimeFigureOut">
               <a:rPr lang="ru-RU" smtClean="0"/>
-              <a:t>04.06.2020</a:t>
+              <a:t>05.06.2020</a:t>
             </a:fld>
             <a:endParaRPr lang="ru-RU"/>
           </a:p>
@@ -3507,6 +3508,138 @@
 </p:sld>
 </file>
 
+<file path=ppt/slides/slide10.xml><?xml version="1.0" encoding="utf-8"?>
+<p:sld xmlns:a="http://schemas.openxmlformats.org/drawingml/2006/main" xmlns:r="http://schemas.openxmlformats.org/officeDocument/2006/relationships" xmlns:p="http://schemas.openxmlformats.org/presentationml/2006/main">
+  <p:cSld>
+    <p:spTree>
+      <p:nvGrpSpPr>
+        <p:cNvPr id="1" name=""/>
+        <p:cNvGrpSpPr/>
+        <p:nvPr/>
+      </p:nvGrpSpPr>
+      <p:grpSpPr>
+        <a:xfrm>
+          <a:off x="0" y="0"/>
+          <a:ext cx="0" cy="0"/>
+          <a:chOff x="0" y="0"/>
+          <a:chExt cx="0" cy="0"/>
+        </a:xfrm>
+      </p:grpSpPr>
+      <p:sp>
+        <p:nvSpPr>
+          <p:cNvPr id="2" name="Заголовок 1">
+            <a:extLst>
+              <a:ext uri="{FF2B5EF4-FFF2-40B4-BE49-F238E27FC236}">
+                <a16:creationId xmlns:a16="http://schemas.microsoft.com/office/drawing/2014/main" id="{D303373A-4E9D-456E-B49B-0AC8E4AA5F36}"/>
+              </a:ext>
+            </a:extLst>
+          </p:cNvPr>
+          <p:cNvSpPr>
+            <a:spLocks noGrp="1"/>
+          </p:cNvSpPr>
+          <p:nvPr>
+            <p:ph type="title"/>
+          </p:nvPr>
+        </p:nvSpPr>
+        <p:spPr/>
+        <p:txBody>
+          <a:bodyPr>
+            <a:normAutofit/>
+          </a:bodyPr>
+          <a:lstStyle/>
+          <a:p>
+            <a:r>
+              <a:rPr lang="ru-RU" sz="4000" b="1" dirty="0" err="1"/>
+              <a:t>Результати</a:t>
+            </a:r>
+            <a:endParaRPr lang="ru-RU" sz="4000" b="1" dirty="0"/>
+          </a:p>
+        </p:txBody>
+      </p:sp>
+      <p:pic>
+        <p:nvPicPr>
+          <p:cNvPr id="5" name="Объект 4">
+            <a:extLst>
+              <a:ext uri="{FF2B5EF4-FFF2-40B4-BE49-F238E27FC236}">
+                <a16:creationId xmlns:a16="http://schemas.microsoft.com/office/drawing/2014/main" id="{3CBB96C1-40EF-49D4-8C10-FC23DAA62D85}"/>
+              </a:ext>
+            </a:extLst>
+          </p:cNvPr>
+          <p:cNvPicPr>
+            <a:picLocks noGrp="1" noChangeAspect="1"/>
+          </p:cNvPicPr>
+          <p:nvPr>
+            <p:ph idx="1"/>
+          </p:nvPr>
+        </p:nvPicPr>
+        <p:blipFill>
+          <a:blip r:embed="rId2">
+            <a:extLst>
+              <a:ext uri="{28A0092B-C50C-407E-A947-70E740481C1C}">
+                <a14:useLocalDpi xmlns:a14="http://schemas.microsoft.com/office/drawing/2010/main" val="0"/>
+              </a:ext>
+            </a:extLst>
+          </a:blip>
+          <a:stretch>
+            <a:fillRect/>
+          </a:stretch>
+        </p:blipFill>
+        <p:spPr>
+          <a:xfrm>
+            <a:off x="4785227" y="4223308"/>
+            <a:ext cx="2495140" cy="2525943"/>
+          </a:xfrm>
+        </p:spPr>
+      </p:pic>
+      <p:pic>
+        <p:nvPicPr>
+          <p:cNvPr id="7" name="Рисунок 6">
+            <a:extLst>
+              <a:ext uri="{FF2B5EF4-FFF2-40B4-BE49-F238E27FC236}">
+                <a16:creationId xmlns:a16="http://schemas.microsoft.com/office/drawing/2014/main" id="{43044326-8D75-4C63-9226-CB571BE66641}"/>
+              </a:ext>
+            </a:extLst>
+          </p:cNvPr>
+          <p:cNvPicPr>
+            <a:picLocks noChangeAspect="1"/>
+          </p:cNvPicPr>
+          <p:nvPr/>
+        </p:nvPicPr>
+        <p:blipFill>
+          <a:blip r:embed="rId3">
+            <a:extLst>
+              <a:ext uri="{28A0092B-C50C-407E-A947-70E740481C1C}">
+                <a14:useLocalDpi xmlns:a14="http://schemas.microsoft.com/office/drawing/2010/main" val="0"/>
+              </a:ext>
+            </a:extLst>
+          </a:blip>
+          <a:stretch>
+            <a:fillRect/>
+          </a:stretch>
+        </p:blipFill>
+        <p:spPr>
+          <a:xfrm>
+            <a:off x="1184366" y="1420493"/>
+            <a:ext cx="9823268" cy="2802816"/>
+          </a:xfrm>
+          <a:prstGeom prst="rect">
+            <a:avLst/>
+          </a:prstGeom>
+        </p:spPr>
+      </p:pic>
+    </p:spTree>
+    <p:extLst>
+      <p:ext uri="{BB962C8B-B14F-4D97-AF65-F5344CB8AC3E}">
+        <p14:creationId xmlns:p14="http://schemas.microsoft.com/office/powerpoint/2010/main" val="1189532417"/>
+      </p:ext>
+    </p:extLst>
+  </p:cSld>
+  <p:clrMapOvr>
+    <a:masterClrMapping/>
+  </p:clrMapOvr>
+</p:sld>
+</file>
+
 <file path=ppt/slides/slide2.xml><?xml version="1.0" encoding="utf-8"?>
 <p:sld xmlns:a="http://schemas.openxmlformats.org/drawingml/2006/main" xmlns:r="http://schemas.openxmlformats.org/officeDocument/2006/relationships" xmlns:p="http://schemas.openxmlformats.org/presentationml/2006/main">
   <p:cSld>

--- a/v.haponov/Presentation/Valentyn_Haponov.pptx
+++ b/v.haponov/Presentation/Valentyn_Haponov.pptx
@@ -8,13 +8,13 @@
     <p:sldId id="256" r:id="rId2"/>
     <p:sldId id="257" r:id="rId3"/>
     <p:sldId id="258" r:id="rId4"/>
-    <p:sldId id="259" r:id="rId5"/>
-    <p:sldId id="263" r:id="rId6"/>
-    <p:sldId id="260" r:id="rId7"/>
-    <p:sldId id="261" r:id="rId8"/>
-    <p:sldId id="262" r:id="rId9"/>
-    <p:sldId id="264" r:id="rId10"/>
-    <p:sldId id="265" r:id="rId11"/>
+    <p:sldId id="263" r:id="rId5"/>
+    <p:sldId id="260" r:id="rId6"/>
+    <p:sldId id="261" r:id="rId7"/>
+    <p:sldId id="262" r:id="rId8"/>
+    <p:sldId id="264" r:id="rId9"/>
+    <p:sldId id="265" r:id="rId10"/>
+    <p:sldId id="266" r:id="rId11"/>
   </p:sldIdLst>
   <p:sldSz cx="12192000" cy="6858000"/>
   <p:notesSz cx="6858000" cy="9144000"/>
@@ -268,7 +268,7 @@
           <a:p>
             <a:fld id="{FCA662B4-D131-4ADB-BA10-D9BA9FBC173B}" type="datetimeFigureOut">
               <a:rPr lang="ru-RU" smtClean="0"/>
-              <a:t>05.06.2020</a:t>
+              <a:t>08.06.2020</a:t>
             </a:fld>
             <a:endParaRPr lang="ru-RU"/>
           </a:p>
@@ -466,7 +466,7 @@
           <a:p>
             <a:fld id="{FCA662B4-D131-4ADB-BA10-D9BA9FBC173B}" type="datetimeFigureOut">
               <a:rPr lang="ru-RU" smtClean="0"/>
-              <a:t>05.06.2020</a:t>
+              <a:t>08.06.2020</a:t>
             </a:fld>
             <a:endParaRPr lang="ru-RU"/>
           </a:p>
@@ -674,7 +674,7 @@
           <a:p>
             <a:fld id="{FCA662B4-D131-4ADB-BA10-D9BA9FBC173B}" type="datetimeFigureOut">
               <a:rPr lang="ru-RU" smtClean="0"/>
-              <a:t>05.06.2020</a:t>
+              <a:t>08.06.2020</a:t>
             </a:fld>
             <a:endParaRPr lang="ru-RU"/>
           </a:p>
@@ -872,7 +872,7 @@
           <a:p>
             <a:fld id="{FCA662B4-D131-4ADB-BA10-D9BA9FBC173B}" type="datetimeFigureOut">
               <a:rPr lang="ru-RU" smtClean="0"/>
-              <a:t>05.06.2020</a:t>
+              <a:t>08.06.2020</a:t>
             </a:fld>
             <a:endParaRPr lang="ru-RU"/>
           </a:p>
@@ -1147,7 +1147,7 @@
           <a:p>
             <a:fld id="{FCA662B4-D131-4ADB-BA10-D9BA9FBC173B}" type="datetimeFigureOut">
               <a:rPr lang="ru-RU" smtClean="0"/>
-              <a:t>05.06.2020</a:t>
+              <a:t>08.06.2020</a:t>
             </a:fld>
             <a:endParaRPr lang="ru-RU"/>
           </a:p>
@@ -1412,7 +1412,7 @@
           <a:p>
             <a:fld id="{FCA662B4-D131-4ADB-BA10-D9BA9FBC173B}" type="datetimeFigureOut">
               <a:rPr lang="ru-RU" smtClean="0"/>
-              <a:t>05.06.2020</a:t>
+              <a:t>08.06.2020</a:t>
             </a:fld>
             <a:endParaRPr lang="ru-RU"/>
           </a:p>
@@ -1824,7 +1824,7 @@
           <a:p>
             <a:fld id="{FCA662B4-D131-4ADB-BA10-D9BA9FBC173B}" type="datetimeFigureOut">
               <a:rPr lang="ru-RU" smtClean="0"/>
-              <a:t>05.06.2020</a:t>
+              <a:t>08.06.2020</a:t>
             </a:fld>
             <a:endParaRPr lang="ru-RU"/>
           </a:p>
@@ -1965,7 +1965,7 @@
           <a:p>
             <a:fld id="{FCA662B4-D131-4ADB-BA10-D9BA9FBC173B}" type="datetimeFigureOut">
               <a:rPr lang="ru-RU" smtClean="0"/>
-              <a:t>05.06.2020</a:t>
+              <a:t>08.06.2020</a:t>
             </a:fld>
             <a:endParaRPr lang="ru-RU"/>
           </a:p>
@@ -2078,7 +2078,7 @@
           <a:p>
             <a:fld id="{FCA662B4-D131-4ADB-BA10-D9BA9FBC173B}" type="datetimeFigureOut">
               <a:rPr lang="ru-RU" smtClean="0"/>
-              <a:t>05.06.2020</a:t>
+              <a:t>08.06.2020</a:t>
             </a:fld>
             <a:endParaRPr lang="ru-RU"/>
           </a:p>
@@ -2389,7 +2389,7 @@
           <a:p>
             <a:fld id="{FCA662B4-D131-4ADB-BA10-D9BA9FBC173B}" type="datetimeFigureOut">
               <a:rPr lang="ru-RU" smtClean="0"/>
-              <a:t>05.06.2020</a:t>
+              <a:t>08.06.2020</a:t>
             </a:fld>
             <a:endParaRPr lang="ru-RU"/>
           </a:p>
@@ -2677,7 +2677,7 @@
           <a:p>
             <a:fld id="{FCA662B4-D131-4ADB-BA10-D9BA9FBC173B}" type="datetimeFigureOut">
               <a:rPr lang="ru-RU" smtClean="0"/>
-              <a:t>05.06.2020</a:t>
+              <a:t>08.06.2020</a:t>
             </a:fld>
             <a:endParaRPr lang="ru-RU"/>
           </a:p>
@@ -2918,7 +2918,7 @@
           <a:p>
             <a:fld id="{FCA662B4-D131-4ADB-BA10-D9BA9FBC173B}" type="datetimeFigureOut">
               <a:rPr lang="ru-RU" smtClean="0"/>
-              <a:t>05.06.2020</a:t>
+              <a:t>08.06.2020</a:t>
             </a:fld>
             <a:endParaRPr lang="ru-RU"/>
           </a:p>
@@ -3530,7 +3530,7 @@
           <p:cNvPr id="2" name="Заголовок 1">
             <a:extLst>
               <a:ext uri="{FF2B5EF4-FFF2-40B4-BE49-F238E27FC236}">
-                <a16:creationId xmlns:a16="http://schemas.microsoft.com/office/drawing/2014/main" id="{D303373A-4E9D-456E-B49B-0AC8E4AA5F36}"/>
+                <a16:creationId xmlns:a16="http://schemas.microsoft.com/office/drawing/2014/main" id="{A65EBBAD-E2C8-4000-8E44-714F468B28BE}"/>
               </a:ext>
             </a:extLst>
           </p:cNvPr>
@@ -3543,94 +3543,123 @@
         </p:nvSpPr>
         <p:spPr/>
         <p:txBody>
-          <a:bodyPr>
-            <a:normAutofit/>
-          </a:bodyPr>
-          <a:lstStyle/>
-          <a:p>
-            <a:r>
-              <a:rPr lang="ru-RU" sz="4000" b="1" dirty="0" err="1"/>
-              <a:t>Результати</a:t>
-            </a:r>
-            <a:endParaRPr lang="ru-RU" sz="4000" b="1" dirty="0"/>
-          </a:p>
-        </p:txBody>
-      </p:sp>
-      <p:pic>
-        <p:nvPicPr>
-          <p:cNvPr id="5" name="Объект 4">
-            <a:extLst>
-              <a:ext uri="{FF2B5EF4-FFF2-40B4-BE49-F238E27FC236}">
-                <a16:creationId xmlns:a16="http://schemas.microsoft.com/office/drawing/2014/main" id="{3CBB96C1-40EF-49D4-8C10-FC23DAA62D85}"/>
-              </a:ext>
-            </a:extLst>
-          </p:cNvPr>
-          <p:cNvPicPr>
-            <a:picLocks noGrp="1" noChangeAspect="1"/>
-          </p:cNvPicPr>
+          <a:bodyPr/>
+          <a:lstStyle/>
+          <a:p>
+            <a:r>
+              <a:rPr lang="ru-RU" b="1" dirty="0" err="1"/>
+              <a:t>Висновки</a:t>
+            </a:r>
+            <a:endParaRPr lang="ru-RU" b="1" dirty="0"/>
+          </a:p>
+        </p:txBody>
+      </p:sp>
+      <p:sp>
+        <p:nvSpPr>
+          <p:cNvPr id="3" name="Объект 2">
+            <a:extLst>
+              <a:ext uri="{FF2B5EF4-FFF2-40B4-BE49-F238E27FC236}">
+                <a16:creationId xmlns:a16="http://schemas.microsoft.com/office/drawing/2014/main" id="{7B343C22-FAC0-4C72-82B6-D5EDC3625C32}"/>
+              </a:ext>
+            </a:extLst>
+          </p:cNvPr>
+          <p:cNvSpPr>
+            <a:spLocks noGrp="1"/>
+          </p:cNvSpPr>
           <p:nvPr>
             <p:ph idx="1"/>
           </p:nvPr>
-        </p:nvPicPr>
-        <p:blipFill>
-          <a:blip r:embed="rId2">
-            <a:extLst>
-              <a:ext uri="{28A0092B-C50C-407E-A947-70E740481C1C}">
-                <a14:useLocalDpi xmlns:a14="http://schemas.microsoft.com/office/drawing/2010/main" val="0"/>
-              </a:ext>
-            </a:extLst>
-          </a:blip>
-          <a:stretch>
-            <a:fillRect/>
-          </a:stretch>
-        </p:blipFill>
-        <p:spPr>
-          <a:xfrm>
-            <a:off x="4785227" y="4223308"/>
-            <a:ext cx="2495140" cy="2525943"/>
-          </a:xfrm>
-        </p:spPr>
-      </p:pic>
-      <p:pic>
-        <p:nvPicPr>
-          <p:cNvPr id="7" name="Рисунок 6">
-            <a:extLst>
-              <a:ext uri="{FF2B5EF4-FFF2-40B4-BE49-F238E27FC236}">
-                <a16:creationId xmlns:a16="http://schemas.microsoft.com/office/drawing/2014/main" id="{43044326-8D75-4C63-9226-CB571BE66641}"/>
-              </a:ext>
-            </a:extLst>
-          </p:cNvPr>
-          <p:cNvPicPr>
-            <a:picLocks noChangeAspect="1"/>
-          </p:cNvPicPr>
-          <p:nvPr/>
-        </p:nvPicPr>
-        <p:blipFill>
-          <a:blip r:embed="rId3">
-            <a:extLst>
-              <a:ext uri="{28A0092B-C50C-407E-A947-70E740481C1C}">
-                <a14:useLocalDpi xmlns:a14="http://schemas.microsoft.com/office/drawing/2010/main" val="0"/>
-              </a:ext>
-            </a:extLst>
-          </a:blip>
-          <a:stretch>
-            <a:fillRect/>
-          </a:stretch>
-        </p:blipFill>
-        <p:spPr>
-          <a:xfrm>
-            <a:off x="1184366" y="1420493"/>
-            <a:ext cx="9823268" cy="2802816"/>
-          </a:xfrm>
-          <a:prstGeom prst="rect">
-            <a:avLst/>
-          </a:prstGeom>
-        </p:spPr>
-      </p:pic>
+        </p:nvSpPr>
+        <p:spPr/>
+        <p:txBody>
+          <a:bodyPr/>
+          <a:lstStyle/>
+          <a:p>
+            <a:r>
+              <a:rPr lang="uk-UA" dirty="0"/>
+              <a:t>Створена модель була успішно </a:t>
+            </a:r>
+            <a:r>
+              <a:rPr lang="uk-UA" dirty="0" err="1"/>
+              <a:t>завалідована</a:t>
+            </a:r>
+            <a:endParaRPr lang="uk-UA" dirty="0"/>
+          </a:p>
+          <a:p>
+            <a:r>
+              <a:rPr lang="uk-UA" dirty="0"/>
+              <a:t>Набрані та проаналізовані спектри для </a:t>
+            </a:r>
+            <a:r>
+              <a:rPr lang="uk-UA" dirty="0" err="1"/>
+              <a:t>ютебогаардиту</a:t>
+            </a:r>
+            <a:r>
+              <a:rPr lang="uk-UA" dirty="0"/>
+              <a:t> та халькопіриту  	 </a:t>
+            </a:r>
+          </a:p>
+          <a:p>
+            <a:r>
+              <a:rPr lang="ru-RU" dirty="0" err="1"/>
+              <a:t>Оцінена</a:t>
+            </a:r>
+            <a:r>
+              <a:rPr lang="ru-RU" dirty="0"/>
+              <a:t> </a:t>
+            </a:r>
+            <a:r>
+              <a:rPr lang="ru-RU" dirty="0" err="1"/>
+              <a:t>необхідна</a:t>
+            </a:r>
+            <a:r>
+              <a:rPr lang="ru-RU" dirty="0"/>
+              <a:t> </a:t>
+            </a:r>
+            <a:r>
+              <a:rPr lang="ru-RU" dirty="0" err="1"/>
+              <a:t>маса</a:t>
+            </a:r>
+            <a:r>
+              <a:rPr lang="ru-RU" dirty="0"/>
+              <a:t> </a:t>
+            </a:r>
+            <a:r>
+              <a:rPr lang="ru-RU" dirty="0" err="1"/>
+              <a:t>елементу</a:t>
+            </a:r>
+            <a:r>
+              <a:rPr lang="ru-RU" dirty="0"/>
+              <a:t> в </a:t>
+            </a:r>
+            <a:r>
+              <a:rPr lang="ru-RU" dirty="0" err="1"/>
+              <a:t>речовині</a:t>
+            </a:r>
+            <a:r>
+              <a:rPr lang="ru-RU" dirty="0"/>
+              <a:t> для </a:t>
+            </a:r>
+            <a:r>
+              <a:rPr lang="ru-RU" dirty="0" err="1"/>
+              <a:t>можливості</a:t>
+            </a:r>
+            <a:r>
+              <a:rPr lang="ru-RU" dirty="0"/>
+              <a:t> </a:t>
+            </a:r>
+            <a:r>
+              <a:rPr lang="ru-RU" dirty="0" err="1"/>
+              <a:t>детектування</a:t>
+            </a:r>
+            <a:endParaRPr lang="ru-RU" dirty="0"/>
+          </a:p>
+        </p:txBody>
+      </p:sp>
     </p:spTree>
     <p:extLst>
       <p:ext uri="{BB962C8B-B14F-4D97-AF65-F5344CB8AC3E}">
-        <p14:creationId xmlns:p14="http://schemas.microsoft.com/office/powerpoint/2010/main" val="1189532417"/>
+        <p14:creationId xmlns:p14="http://schemas.microsoft.com/office/powerpoint/2010/main" val="3144713807"/>
       </p:ext>
     </p:extLst>
   </p:cSld>
@@ -3823,60 +3852,112 @@
           <a:lstStyle/>
           <a:p>
             <a:r>
+              <a:rPr lang="uk-UA" b="1" dirty="0"/>
+              <a:t>Постановка задачі</a:t>
+            </a:r>
+            <a:endParaRPr lang="ru-RU" b="1" dirty="0"/>
+          </a:p>
+        </p:txBody>
+      </p:sp>
+      <p:sp>
+        <p:nvSpPr>
+          <p:cNvPr id="3" name="Объект 2">
+            <a:extLst>
+              <a:ext uri="{FF2B5EF4-FFF2-40B4-BE49-F238E27FC236}">
+                <a16:creationId xmlns:a16="http://schemas.microsoft.com/office/drawing/2014/main" id="{020D140A-AC39-4210-A2EA-BB7CB87EF784}"/>
+              </a:ext>
+            </a:extLst>
+          </p:cNvPr>
+          <p:cNvSpPr>
+            <a:spLocks noGrp="1"/>
+          </p:cNvSpPr>
+          <p:nvPr>
+            <p:ph idx="1"/>
+          </p:nvPr>
+        </p:nvSpPr>
+        <p:spPr/>
+        <p:txBody>
+          <a:bodyPr/>
+          <a:lstStyle/>
+          <a:p>
+            <a:r>
               <a:rPr lang="uk-UA" dirty="0"/>
-              <a:t>Актуальність</a:t>
+              <a:t>Створення моделі з використанням </a:t>
+            </a:r>
+            <a:r>
+              <a:rPr lang="uk-UA" dirty="0" err="1"/>
+              <a:t>напів</a:t>
+            </a:r>
+            <a:r>
+              <a:rPr lang="uk-UA" dirty="0"/>
+              <a:t>-провідникового детектора, яка б дала можливість отримати інформацію про елементи, що входять до складу океанічного </a:t>
+            </a:r>
+            <a:r>
+              <a:rPr lang="uk-UA" dirty="0" err="1"/>
+              <a:t>дна</a:t>
+            </a:r>
+            <a:r>
+              <a:rPr lang="uk-UA" dirty="0"/>
+              <a:t> </a:t>
+            </a:r>
+          </a:p>
+          <a:p>
+            <a:r>
+              <a:rPr lang="uk-UA" dirty="0"/>
+              <a:t>Провести її </a:t>
+            </a:r>
+            <a:r>
+              <a:rPr lang="uk-UA" dirty="0" err="1"/>
+              <a:t>валідацію</a:t>
+            </a:r>
+            <a:r>
+              <a:rPr lang="uk-UA" dirty="0"/>
+              <a:t> на спектрі                   (Гірчичного газу)</a:t>
+            </a:r>
+          </a:p>
+          <a:p>
+            <a:r>
+              <a:rPr lang="uk-UA" dirty="0"/>
+              <a:t>Оцінити мінімальну масу елементу для </a:t>
+            </a:r>
+            <a:r>
+              <a:rPr lang="uk-UA"/>
+              <a:t>можливості детектування </a:t>
             </a:r>
             <a:endParaRPr lang="ru-RU" dirty="0"/>
           </a:p>
         </p:txBody>
       </p:sp>
-      <p:sp>
-        <p:nvSpPr>
-          <p:cNvPr id="3" name="Объект 2">
-            <a:extLst>
-              <a:ext uri="{FF2B5EF4-FFF2-40B4-BE49-F238E27FC236}">
-                <a16:creationId xmlns:a16="http://schemas.microsoft.com/office/drawing/2014/main" id="{020D140A-AC39-4210-A2EA-BB7CB87EF784}"/>
-              </a:ext>
-            </a:extLst>
-          </p:cNvPr>
-          <p:cNvSpPr>
-            <a:spLocks noGrp="1"/>
-          </p:cNvSpPr>
-          <p:nvPr>
-            <p:ph idx="1"/>
-          </p:nvPr>
-        </p:nvSpPr>
-        <p:spPr/>
-        <p:txBody>
-          <a:bodyPr/>
-          <a:lstStyle/>
-          <a:p>
-            <a:r>
-              <a:rPr lang="uk-UA" dirty="0"/>
-              <a:t>Вичерпання родовищ, пошук нових, дослідження важко доступних місць.</a:t>
-            </a:r>
-          </a:p>
-          <a:p>
-            <a:r>
-              <a:rPr lang="uk-UA" dirty="0"/>
-              <a:t> Не дослідженні океани, з не придатними умовами для визначення родовищ класичними методами </a:t>
-            </a:r>
-          </a:p>
-          <a:p>
-            <a:r>
-              <a:rPr lang="uk-UA" dirty="0"/>
-              <a:t>Небезпечні ділянки тектонічних плит </a:t>
-            </a:r>
-          </a:p>
-          <a:p>
-            <a:r>
-              <a:rPr lang="uk-UA" dirty="0"/>
-              <a:t>Аналіз складу елементів повітря гробниць)? (визначення ртуті у складі повітря)</a:t>
-            </a:r>
-            <a:endParaRPr lang="ru-RU" dirty="0"/>
-          </a:p>
-        </p:txBody>
-      </p:sp>
+      <p:pic>
+        <p:nvPicPr>
+          <p:cNvPr id="6" name="Рисунок 5">
+            <a:extLst>
+              <a:ext uri="{FF2B5EF4-FFF2-40B4-BE49-F238E27FC236}">
+                <a16:creationId xmlns:a16="http://schemas.microsoft.com/office/drawing/2014/main" id="{2F529F36-FDD4-4D95-AAC8-6BE3EE77A5A1}"/>
+              </a:ext>
+            </a:extLst>
+          </p:cNvPr>
+          <p:cNvPicPr>
+            <a:picLocks noChangeAspect="1"/>
+          </p:cNvPicPr>
+          <p:nvPr/>
+        </p:nvPicPr>
+        <p:blipFill>
+          <a:blip r:embed="rId2"/>
+          <a:stretch>
+            <a:fillRect/>
+          </a:stretch>
+        </p:blipFill>
+        <p:spPr>
+          <a:xfrm>
+            <a:off x="6096000" y="3134477"/>
+            <a:ext cx="1419225" cy="428625"/>
+          </a:xfrm>
+          <a:prstGeom prst="rect">
+            <a:avLst/>
+          </a:prstGeom>
+        </p:spPr>
+      </p:pic>
     </p:spTree>
     <p:extLst>
       <p:ext uri="{BB962C8B-B14F-4D97-AF65-F5344CB8AC3E}">
@@ -3912,192 +3993,6 @@
           <p:cNvPr id="2" name="Заголовок 1">
             <a:extLst>
               <a:ext uri="{FF2B5EF4-FFF2-40B4-BE49-F238E27FC236}">
-                <a16:creationId xmlns:a16="http://schemas.microsoft.com/office/drawing/2014/main" id="{8BA6401C-A00B-4607-BEA1-937FF1EEA60F}"/>
-              </a:ext>
-            </a:extLst>
-          </p:cNvPr>
-          <p:cNvSpPr>
-            <a:spLocks noGrp="1"/>
-          </p:cNvSpPr>
-          <p:nvPr>
-            <p:ph type="title"/>
-          </p:nvPr>
-        </p:nvSpPr>
-        <p:spPr/>
-        <p:txBody>
-          <a:bodyPr/>
-          <a:lstStyle/>
-          <a:p>
-            <a:r>
-              <a:rPr lang="uk-UA" dirty="0"/>
-              <a:t>Переваги </a:t>
-            </a:r>
-            <a:endParaRPr lang="ru-RU" dirty="0"/>
-          </a:p>
-        </p:txBody>
-      </p:sp>
-      <p:sp>
-        <p:nvSpPr>
-          <p:cNvPr id="3" name="Объект 2">
-            <a:extLst>
-              <a:ext uri="{FF2B5EF4-FFF2-40B4-BE49-F238E27FC236}">
-                <a16:creationId xmlns:a16="http://schemas.microsoft.com/office/drawing/2014/main" id="{C2F4277F-0DC5-43B5-9DBE-F803E5BE7452}"/>
-              </a:ext>
-            </a:extLst>
-          </p:cNvPr>
-          <p:cNvSpPr>
-            <a:spLocks noGrp="1"/>
-          </p:cNvSpPr>
-          <p:nvPr>
-            <p:ph idx="1"/>
-          </p:nvPr>
-        </p:nvSpPr>
-        <p:spPr/>
-        <p:txBody>
-          <a:bodyPr/>
-          <a:lstStyle/>
-          <a:p>
-            <a:r>
-              <a:rPr lang="uk-UA" dirty="0"/>
-              <a:t>Дистанційне керування </a:t>
-            </a:r>
-            <a:r>
-              <a:rPr lang="ru-RU" dirty="0"/>
-              <a:t>/ </a:t>
-            </a:r>
-            <a:r>
-              <a:rPr lang="ru-RU" dirty="0" err="1"/>
-              <a:t>відсутність</a:t>
-            </a:r>
-            <a:r>
-              <a:rPr lang="ru-RU" dirty="0"/>
-              <a:t> </a:t>
-            </a:r>
-            <a:r>
-              <a:rPr lang="ru-RU" dirty="0" err="1"/>
-              <a:t>людини</a:t>
-            </a:r>
-            <a:r>
-              <a:rPr lang="ru-RU" dirty="0"/>
-              <a:t> </a:t>
-            </a:r>
-          </a:p>
-          <a:p>
-            <a:r>
-              <a:rPr lang="ru-RU" dirty="0" err="1"/>
-              <a:t>Визначення</a:t>
-            </a:r>
-            <a:r>
-              <a:rPr lang="ru-RU" dirty="0"/>
-              <a:t> </a:t>
-            </a:r>
-            <a:r>
-              <a:rPr lang="ru-RU" dirty="0" err="1"/>
-              <a:t>елементів</a:t>
-            </a:r>
-            <a:r>
-              <a:rPr lang="ru-RU" dirty="0"/>
-              <a:t>, </a:t>
-            </a:r>
-            <a:r>
-              <a:rPr lang="ru-RU" dirty="0" err="1"/>
-              <a:t>можливість</a:t>
-            </a:r>
-            <a:r>
-              <a:rPr lang="ru-RU" dirty="0"/>
-              <a:t> </a:t>
-            </a:r>
-            <a:r>
-              <a:rPr lang="ru-RU" dirty="0" err="1"/>
-              <a:t>адаптації</a:t>
-            </a:r>
-            <a:r>
-              <a:rPr lang="ru-RU" dirty="0"/>
-              <a:t> для </a:t>
-            </a:r>
-            <a:r>
-              <a:rPr lang="ru-RU" dirty="0" err="1"/>
-              <a:t>визначення</a:t>
-            </a:r>
-            <a:r>
-              <a:rPr lang="ru-RU" dirty="0"/>
-              <a:t> </a:t>
-            </a:r>
-            <a:r>
-              <a:rPr lang="ru-RU" dirty="0" err="1"/>
-              <a:t>ізотопного</a:t>
-            </a:r>
-            <a:r>
-              <a:rPr lang="ru-RU" dirty="0"/>
-              <a:t> складу</a:t>
-            </a:r>
-          </a:p>
-          <a:p>
-            <a:r>
-              <a:rPr lang="ru-RU" dirty="0" err="1"/>
-              <a:t>Швидкість</a:t>
-            </a:r>
-            <a:r>
-              <a:rPr lang="ru-RU" dirty="0"/>
-              <a:t> </a:t>
-            </a:r>
-            <a:r>
-              <a:rPr lang="ru-RU" dirty="0" err="1"/>
-              <a:t>отримання</a:t>
-            </a:r>
-            <a:r>
-              <a:rPr lang="ru-RU" dirty="0"/>
-              <a:t> </a:t>
-            </a:r>
-            <a:r>
-              <a:rPr lang="ru-RU" dirty="0" err="1"/>
-              <a:t>результатів</a:t>
-            </a:r>
-            <a:r>
-              <a:rPr lang="ru-RU" dirty="0"/>
-              <a:t> </a:t>
-            </a:r>
-          </a:p>
-          <a:p>
-            <a:endParaRPr lang="uk-UA" dirty="0"/>
-          </a:p>
-        </p:txBody>
-      </p:sp>
-    </p:spTree>
-    <p:extLst>
-      <p:ext uri="{BB962C8B-B14F-4D97-AF65-F5344CB8AC3E}">
-        <p14:creationId xmlns:p14="http://schemas.microsoft.com/office/powerpoint/2010/main" val="42884760"/>
-      </p:ext>
-    </p:extLst>
-  </p:cSld>
-  <p:clrMapOvr>
-    <a:masterClrMapping/>
-  </p:clrMapOvr>
-</p:sld>
-</file>
-
-<file path=ppt/slides/slide5.xml><?xml version="1.0" encoding="utf-8"?>
-<p:sld xmlns:a="http://schemas.openxmlformats.org/drawingml/2006/main" xmlns:r="http://schemas.openxmlformats.org/officeDocument/2006/relationships" xmlns:p="http://schemas.openxmlformats.org/presentationml/2006/main">
-  <p:cSld>
-    <p:spTree>
-      <p:nvGrpSpPr>
-        <p:cNvPr id="1" name=""/>
-        <p:cNvGrpSpPr/>
-        <p:nvPr/>
-      </p:nvGrpSpPr>
-      <p:grpSpPr>
-        <a:xfrm>
-          <a:off x="0" y="0"/>
-          <a:ext cx="0" cy="0"/>
-          <a:chOff x="0" y="0"/>
-          <a:chExt cx="0" cy="0"/>
-        </a:xfrm>
-      </p:grpSpPr>
-      <p:sp>
-        <p:nvSpPr>
-          <p:cNvPr id="2" name="Заголовок 1">
-            <a:extLst>
-              <a:ext uri="{FF2B5EF4-FFF2-40B4-BE49-F238E27FC236}">
                 <a16:creationId xmlns:a16="http://schemas.microsoft.com/office/drawing/2014/main" id="{3EE963EC-F1C6-455E-8938-CA7FB2796054}"/>
               </a:ext>
             </a:extLst>
@@ -4170,7 +4065,7 @@
 </p:sld>
 </file>
 
-<file path=ppt/slides/slide6.xml><?xml version="1.0" encoding="utf-8"?>
+<file path=ppt/slides/slide5.xml><?xml version="1.0" encoding="utf-8"?>
 <p:sld xmlns:a="http://schemas.openxmlformats.org/drawingml/2006/main" xmlns:r="http://schemas.openxmlformats.org/officeDocument/2006/relationships" xmlns:p="http://schemas.openxmlformats.org/presentationml/2006/main">
   <p:cSld>
     <p:spTree>
@@ -4342,6 +4237,120 @@
 </p:sld>
 </file>
 
+<file path=ppt/slides/slide6.xml><?xml version="1.0" encoding="utf-8"?>
+<p:sld xmlns:a="http://schemas.openxmlformats.org/drawingml/2006/main" xmlns:r="http://schemas.openxmlformats.org/officeDocument/2006/relationships" xmlns:p="http://schemas.openxmlformats.org/presentationml/2006/main">
+  <p:cSld>
+    <p:spTree>
+      <p:nvGrpSpPr>
+        <p:cNvPr id="1" name=""/>
+        <p:cNvGrpSpPr/>
+        <p:nvPr/>
+      </p:nvGrpSpPr>
+      <p:grpSpPr>
+        <a:xfrm>
+          <a:off x="0" y="0"/>
+          <a:ext cx="0" cy="0"/>
+          <a:chOff x="0" y="0"/>
+          <a:chExt cx="0" cy="0"/>
+        </a:xfrm>
+      </p:grpSpPr>
+      <p:sp>
+        <p:nvSpPr>
+          <p:cNvPr id="2" name="Заголовок 1">
+            <a:extLst>
+              <a:ext uri="{FF2B5EF4-FFF2-40B4-BE49-F238E27FC236}">
+                <a16:creationId xmlns:a16="http://schemas.microsoft.com/office/drawing/2014/main" id="{F5F6816F-6378-41A5-907A-CD8E34A8D4A3}"/>
+              </a:ext>
+            </a:extLst>
+          </p:cNvPr>
+          <p:cNvSpPr>
+            <a:spLocks noGrp="1"/>
+          </p:cNvSpPr>
+          <p:nvPr>
+            <p:ph type="title"/>
+          </p:nvPr>
+        </p:nvSpPr>
+        <p:spPr/>
+        <p:txBody>
+          <a:bodyPr/>
+          <a:lstStyle/>
+          <a:p>
+            <a:r>
+              <a:rPr lang="uk-UA" dirty="0"/>
+              <a:t>Захист детектора</a:t>
+            </a:r>
+            <a:endParaRPr lang="ru-RU" dirty="0"/>
+          </a:p>
+        </p:txBody>
+      </p:sp>
+      <p:sp>
+        <p:nvSpPr>
+          <p:cNvPr id="3" name="Объект 2">
+            <a:extLst>
+              <a:ext uri="{FF2B5EF4-FFF2-40B4-BE49-F238E27FC236}">
+                <a16:creationId xmlns:a16="http://schemas.microsoft.com/office/drawing/2014/main" id="{F1953F57-3E31-4AAC-9D05-994B3D0A6904}"/>
+              </a:ext>
+            </a:extLst>
+          </p:cNvPr>
+          <p:cNvSpPr>
+            <a:spLocks noGrp="1"/>
+          </p:cNvSpPr>
+          <p:nvPr>
+            <p:ph idx="1"/>
+          </p:nvPr>
+        </p:nvSpPr>
+        <p:spPr/>
+        <p:txBody>
+          <a:bodyPr/>
+          <a:lstStyle/>
+          <a:p>
+            <a:r>
+              <a:rPr lang="uk-UA" dirty="0"/>
+              <a:t>Через використання напівпровідникового детектора, для більшої роздільної здатності було прийнято рішення помістити його у трьох шаровий, для уникнення руйнації.</a:t>
+            </a:r>
+          </a:p>
+          <a:p>
+            <a:r>
+              <a:rPr lang="uk-UA" dirty="0"/>
+              <a:t>За основне джерело випромінення (нейтронне джерело)</a:t>
+            </a:r>
+          </a:p>
+          <a:p>
+            <a:r>
+              <a:rPr lang="uk-UA" dirty="0"/>
+              <a:t>За  рахунок, того що система моделювалась під водою, то за енергія нейтронів поблизу детектора вважалась тепловою</a:t>
+            </a:r>
+          </a:p>
+          <a:p>
+            <a:r>
+              <a:rPr lang="uk-UA" dirty="0"/>
+              <a:t>Тонкий шар свиню для захисту від вторинного альфа </a:t>
+            </a:r>
+            <a:r>
+              <a:rPr lang="uk-UA" dirty="0" err="1"/>
+              <a:t>випромінненя</a:t>
+            </a:r>
+            <a:r>
+              <a:rPr lang="uk-UA" dirty="0"/>
+              <a:t> </a:t>
+            </a:r>
+            <a:endParaRPr lang="ru-RU" dirty="0"/>
+          </a:p>
+        </p:txBody>
+      </p:sp>
+    </p:spTree>
+    <p:extLst>
+      <p:ext uri="{BB962C8B-B14F-4D97-AF65-F5344CB8AC3E}">
+        <p14:creationId xmlns:p14="http://schemas.microsoft.com/office/powerpoint/2010/main" val="4123924739"/>
+      </p:ext>
+    </p:extLst>
+  </p:cSld>
+  <p:clrMapOvr>
+    <a:masterClrMapping/>
+  </p:clrMapOvr>
+</p:sld>
+</file>
+
 <file path=ppt/slides/slide7.xml><?xml version="1.0" encoding="utf-8"?>
 <p:sld xmlns:a="http://schemas.openxmlformats.org/drawingml/2006/main" xmlns:r="http://schemas.openxmlformats.org/officeDocument/2006/relationships" xmlns:p="http://schemas.openxmlformats.org/presentationml/2006/main">
   <p:cSld>
@@ -4364,7 +4373,7 @@
           <p:cNvPr id="2" name="Заголовок 1">
             <a:extLst>
               <a:ext uri="{FF2B5EF4-FFF2-40B4-BE49-F238E27FC236}">
-                <a16:creationId xmlns:a16="http://schemas.microsoft.com/office/drawing/2014/main" id="{F5F6816F-6378-41A5-907A-CD8E34A8D4A3}"/>
+                <a16:creationId xmlns:a16="http://schemas.microsoft.com/office/drawing/2014/main" id="{911773D7-D251-45BD-AF9C-D5A2B2B0503A}"/>
               </a:ext>
             </a:extLst>
           </p:cNvPr>
@@ -4375,78 +4384,69 @@
             <p:ph type="title"/>
           </p:nvPr>
         </p:nvSpPr>
-        <p:spPr/>
-        <p:txBody>
-          <a:bodyPr/>
-          <a:lstStyle/>
-          <a:p>
-            <a:r>
-              <a:rPr lang="uk-UA" dirty="0"/>
-              <a:t>Захист детектора</a:t>
-            </a:r>
-            <a:endParaRPr lang="ru-RU" dirty="0"/>
-          </a:p>
-        </p:txBody>
-      </p:sp>
-      <p:sp>
-        <p:nvSpPr>
-          <p:cNvPr id="3" name="Объект 2">
-            <a:extLst>
-              <a:ext uri="{FF2B5EF4-FFF2-40B4-BE49-F238E27FC236}">
-                <a16:creationId xmlns:a16="http://schemas.microsoft.com/office/drawing/2014/main" id="{F1953F57-3E31-4AAC-9D05-994B3D0A6904}"/>
-              </a:ext>
-            </a:extLst>
-          </p:cNvPr>
-          <p:cNvSpPr>
-            <a:spLocks noGrp="1"/>
-          </p:cNvSpPr>
+        <p:spPr>
+          <a:xfrm>
+            <a:off x="751115" y="0"/>
+            <a:ext cx="10515600" cy="1325563"/>
+          </a:xfrm>
+        </p:spPr>
+        <p:txBody>
+          <a:bodyPr>
+            <a:normAutofit/>
+          </a:bodyPr>
+          <a:lstStyle/>
+          <a:p>
+            <a:r>
+              <a:rPr lang="uk-UA" sz="4000" b="1" dirty="0" err="1"/>
+              <a:t>Валідація</a:t>
+            </a:r>
+            <a:r>
+              <a:rPr lang="uk-UA" sz="4000" b="1" dirty="0"/>
+              <a:t> моделі </a:t>
+            </a:r>
+            <a:endParaRPr lang="ru-RU" sz="4000" b="1" dirty="0"/>
+          </a:p>
+        </p:txBody>
+      </p:sp>
+      <p:pic>
+        <p:nvPicPr>
+          <p:cNvPr id="6" name="Объект 5">
+            <a:extLst>
+              <a:ext uri="{FF2B5EF4-FFF2-40B4-BE49-F238E27FC236}">
+                <a16:creationId xmlns:a16="http://schemas.microsoft.com/office/drawing/2014/main" id="{C5680682-2FBF-45A0-8DBD-F8B00E14FAF3}"/>
+              </a:ext>
+            </a:extLst>
+          </p:cNvPr>
+          <p:cNvPicPr>
+            <a:picLocks noGrp="1" noChangeAspect="1"/>
+          </p:cNvPicPr>
           <p:nvPr>
             <p:ph idx="1"/>
           </p:nvPr>
-        </p:nvSpPr>
-        <p:spPr/>
-        <p:txBody>
-          <a:bodyPr/>
-          <a:lstStyle/>
-          <a:p>
-            <a:r>
-              <a:rPr lang="uk-UA" dirty="0"/>
-              <a:t>Через використання напівпровідникового детектора, для більшої роздільної здатності було прийнято рішення помістити його у трьох шаровий, для уникнення руйнації.</a:t>
-            </a:r>
-          </a:p>
-          <a:p>
-            <a:r>
-              <a:rPr lang="uk-UA" dirty="0"/>
-              <a:t>За основне джерело випромінення (нейтронне джерело)</a:t>
-            </a:r>
-          </a:p>
-          <a:p>
-            <a:r>
-              <a:rPr lang="uk-UA" dirty="0"/>
-              <a:t>За  рахунок, того що система моделювалась під водою, то за енергія нейтронів поблизу детектора вважалась тепловою</a:t>
-            </a:r>
-          </a:p>
-          <a:p>
-            <a:r>
-              <a:rPr lang="uk-UA" dirty="0"/>
-              <a:t>Тонкий шар свиню для захисту від вторинного альфа </a:t>
-            </a:r>
-            <a:r>
-              <a:rPr lang="uk-UA" dirty="0" err="1"/>
-              <a:t>випромінненя</a:t>
-            </a:r>
-            <a:r>
-              <a:rPr lang="uk-UA" dirty="0"/>
-              <a:t> </a:t>
-            </a:r>
-            <a:endParaRPr lang="ru-RU" dirty="0"/>
-          </a:p>
-        </p:txBody>
-      </p:sp>
+        </p:nvPicPr>
+        <p:blipFill>
+          <a:blip r:embed="rId2">
+            <a:extLst>
+              <a:ext uri="{28A0092B-C50C-407E-A947-70E740481C1C}">
+                <a14:useLocalDpi xmlns:a14="http://schemas.microsoft.com/office/drawing/2010/main" val="0"/>
+              </a:ext>
+            </a:extLst>
+          </a:blip>
+          <a:stretch>
+            <a:fillRect/>
+          </a:stretch>
+        </p:blipFill>
+        <p:spPr>
+          <a:xfrm>
+            <a:off x="751115" y="906160"/>
+            <a:ext cx="10273697" cy="5715428"/>
+          </a:xfrm>
+        </p:spPr>
+      </p:pic>
     </p:spTree>
     <p:extLst>
       <p:ext uri="{BB962C8B-B14F-4D97-AF65-F5344CB8AC3E}">
-        <p14:creationId xmlns:p14="http://schemas.microsoft.com/office/powerpoint/2010/main" val="4123924739"/>
+        <p14:creationId xmlns:p14="http://schemas.microsoft.com/office/powerpoint/2010/main" val="2282654437"/>
       </p:ext>
     </p:extLst>
   </p:cSld>
@@ -4478,7 +4478,7 @@
           <p:cNvPr id="2" name="Заголовок 1">
             <a:extLst>
               <a:ext uri="{FF2B5EF4-FFF2-40B4-BE49-F238E27FC236}">
-                <a16:creationId xmlns:a16="http://schemas.microsoft.com/office/drawing/2014/main" id="{911773D7-D251-45BD-AF9C-D5A2B2B0503A}"/>
+                <a16:creationId xmlns:a16="http://schemas.microsoft.com/office/drawing/2014/main" id="{3C39CADD-2C0E-45E2-839B-1D2A23AF3CAF}"/>
               </a:ext>
             </a:extLst>
           </p:cNvPr>
@@ -4491,7 +4491,7 @@
         </p:nvSpPr>
         <p:spPr>
           <a:xfrm>
-            <a:off x="751115" y="0"/>
+            <a:off x="0" y="0"/>
             <a:ext cx="10515600" cy="1325563"/>
           </a:xfrm>
         </p:spPr>
@@ -4502,12 +4502,8 @@
           <a:lstStyle/>
           <a:p>
             <a:r>
-              <a:rPr lang="uk-UA" sz="4000" b="1" dirty="0" err="1"/>
-              <a:t>Валідація</a:t>
-            </a:r>
-            <a:r>
               <a:rPr lang="uk-UA" sz="4000" b="1" dirty="0"/>
-              <a:t> моделі </a:t>
+              <a:t>Результати</a:t>
             </a:r>
             <a:endParaRPr lang="ru-RU" sz="4000" b="1" dirty="0"/>
           </a:p>
@@ -4515,10 +4511,10 @@
       </p:sp>
       <p:pic>
         <p:nvPicPr>
-          <p:cNvPr id="6" name="Объект 5">
-            <a:extLst>
-              <a:ext uri="{FF2B5EF4-FFF2-40B4-BE49-F238E27FC236}">
-                <a16:creationId xmlns:a16="http://schemas.microsoft.com/office/drawing/2014/main" id="{C5680682-2FBF-45A0-8DBD-F8B00E14FAF3}"/>
+          <p:cNvPr id="5" name="Объект 4">
+            <a:extLst>
+              <a:ext uri="{FF2B5EF4-FFF2-40B4-BE49-F238E27FC236}">
+                <a16:creationId xmlns:a16="http://schemas.microsoft.com/office/drawing/2014/main" id="{D26A0AB2-A498-4EC9-9620-F33A0458B9BF}"/>
               </a:ext>
             </a:extLst>
           </p:cNvPr>
@@ -4543,15 +4539,15 @@
         </p:blipFill>
         <p:spPr>
           <a:xfrm>
-            <a:off x="751115" y="906160"/>
-            <a:ext cx="10273697" cy="5715428"/>
+            <a:off x="993578" y="858503"/>
+            <a:ext cx="9874718" cy="5743459"/>
           </a:xfrm>
         </p:spPr>
       </p:pic>
     </p:spTree>
     <p:extLst>
       <p:ext uri="{BB962C8B-B14F-4D97-AF65-F5344CB8AC3E}">
-        <p14:creationId xmlns:p14="http://schemas.microsoft.com/office/powerpoint/2010/main" val="2282654437"/>
+        <p14:creationId xmlns:p14="http://schemas.microsoft.com/office/powerpoint/2010/main" val="970692314"/>
       </p:ext>
     </p:extLst>
   </p:cSld>
@@ -4583,7 +4579,7 @@
           <p:cNvPr id="2" name="Заголовок 1">
             <a:extLst>
               <a:ext uri="{FF2B5EF4-FFF2-40B4-BE49-F238E27FC236}">
-                <a16:creationId xmlns:a16="http://schemas.microsoft.com/office/drawing/2014/main" id="{3C39CADD-2C0E-45E2-839B-1D2A23AF3CAF}"/>
+                <a16:creationId xmlns:a16="http://schemas.microsoft.com/office/drawing/2014/main" id="{D303373A-4E9D-456E-B49B-0AC8E4AA5F36}"/>
               </a:ext>
             </a:extLst>
           </p:cNvPr>
@@ -4594,12 +4590,7 @@
             <p:ph type="title"/>
           </p:nvPr>
         </p:nvSpPr>
-        <p:spPr>
-          <a:xfrm>
-            <a:off x="0" y="0"/>
-            <a:ext cx="10515600" cy="1325563"/>
-          </a:xfrm>
-        </p:spPr>
+        <p:spPr/>
         <p:txBody>
           <a:bodyPr>
             <a:normAutofit/>
@@ -4607,7 +4598,7 @@
           <a:lstStyle/>
           <a:p>
             <a:r>
-              <a:rPr lang="uk-UA" sz="4000" b="1" dirty="0"/>
+              <a:rPr lang="ru-RU" sz="4000" b="1" dirty="0" err="1"/>
               <a:t>Результати</a:t>
             </a:r>
             <a:endParaRPr lang="ru-RU" sz="4000" b="1" dirty="0"/>
@@ -4619,7 +4610,7 @@
           <p:cNvPr id="5" name="Объект 4">
             <a:extLst>
               <a:ext uri="{FF2B5EF4-FFF2-40B4-BE49-F238E27FC236}">
-                <a16:creationId xmlns:a16="http://schemas.microsoft.com/office/drawing/2014/main" id="{D26A0AB2-A498-4EC9-9620-F33A0458B9BF}"/>
+                <a16:creationId xmlns:a16="http://schemas.microsoft.com/office/drawing/2014/main" id="{3CBB96C1-40EF-49D4-8C10-FC23DAA62D85}"/>
               </a:ext>
             </a:extLst>
           </p:cNvPr>
@@ -4644,15 +4635,51 @@
         </p:blipFill>
         <p:spPr>
           <a:xfrm>
-            <a:off x="993578" y="858503"/>
-            <a:ext cx="9874718" cy="5743459"/>
+            <a:off x="4785227" y="4223308"/>
+            <a:ext cx="2495140" cy="2525943"/>
           </a:xfrm>
+        </p:spPr>
+      </p:pic>
+      <p:pic>
+        <p:nvPicPr>
+          <p:cNvPr id="7" name="Рисунок 6">
+            <a:extLst>
+              <a:ext uri="{FF2B5EF4-FFF2-40B4-BE49-F238E27FC236}">
+                <a16:creationId xmlns:a16="http://schemas.microsoft.com/office/drawing/2014/main" id="{43044326-8D75-4C63-9226-CB571BE66641}"/>
+              </a:ext>
+            </a:extLst>
+          </p:cNvPr>
+          <p:cNvPicPr>
+            <a:picLocks noChangeAspect="1"/>
+          </p:cNvPicPr>
+          <p:nvPr/>
+        </p:nvPicPr>
+        <p:blipFill>
+          <a:blip r:embed="rId3">
+            <a:extLst>
+              <a:ext uri="{28A0092B-C50C-407E-A947-70E740481C1C}">
+                <a14:useLocalDpi xmlns:a14="http://schemas.microsoft.com/office/drawing/2010/main" val="0"/>
+              </a:ext>
+            </a:extLst>
+          </a:blip>
+          <a:stretch>
+            <a:fillRect/>
+          </a:stretch>
+        </p:blipFill>
+        <p:spPr>
+          <a:xfrm>
+            <a:off x="1184366" y="1420493"/>
+            <a:ext cx="9823268" cy="2802816"/>
+          </a:xfrm>
+          <a:prstGeom prst="rect">
+            <a:avLst/>
+          </a:prstGeom>
         </p:spPr>
       </p:pic>
     </p:spTree>
     <p:extLst>
       <p:ext uri="{BB962C8B-B14F-4D97-AF65-F5344CB8AC3E}">
-        <p14:creationId xmlns:p14="http://schemas.microsoft.com/office/powerpoint/2010/main" val="970692314"/>
+        <p14:creationId xmlns:p14="http://schemas.microsoft.com/office/powerpoint/2010/main" val="1189532417"/>
       </p:ext>
     </p:extLst>
   </p:cSld>

--- a/v.haponov/Presentation/Valentyn_Haponov.pptx
+++ b/v.haponov/Presentation/Valentyn_Haponov.pptx
@@ -11,10 +11,11 @@
     <p:sldId id="263" r:id="rId5"/>
     <p:sldId id="260" r:id="rId6"/>
     <p:sldId id="261" r:id="rId7"/>
-    <p:sldId id="262" r:id="rId8"/>
-    <p:sldId id="264" r:id="rId9"/>
-    <p:sldId id="265" r:id="rId10"/>
-    <p:sldId id="266" r:id="rId11"/>
+    <p:sldId id="267" r:id="rId8"/>
+    <p:sldId id="262" r:id="rId9"/>
+    <p:sldId id="264" r:id="rId10"/>
+    <p:sldId id="265" r:id="rId11"/>
+    <p:sldId id="266" r:id="rId12"/>
   </p:sldIdLst>
   <p:sldSz cx="12192000" cy="6858000"/>
   <p:notesSz cx="6858000" cy="9144000"/>
@@ -3530,6 +3531,103 @@
           <p:cNvPr id="2" name="Заголовок 1">
             <a:extLst>
               <a:ext uri="{FF2B5EF4-FFF2-40B4-BE49-F238E27FC236}">
+                <a16:creationId xmlns:a16="http://schemas.microsoft.com/office/drawing/2014/main" id="{D303373A-4E9D-456E-B49B-0AC8E4AA5F36}"/>
+              </a:ext>
+            </a:extLst>
+          </p:cNvPr>
+          <p:cNvSpPr>
+            <a:spLocks noGrp="1"/>
+          </p:cNvSpPr>
+          <p:nvPr>
+            <p:ph type="title"/>
+          </p:nvPr>
+        </p:nvSpPr>
+        <p:spPr/>
+        <p:txBody>
+          <a:bodyPr>
+            <a:normAutofit/>
+          </a:bodyPr>
+          <a:lstStyle/>
+          <a:p>
+            <a:r>
+              <a:rPr lang="ru-RU" sz="4000" b="1" dirty="0" err="1"/>
+              <a:t>Результати</a:t>
+            </a:r>
+            <a:endParaRPr lang="ru-RU" sz="4000" b="1" dirty="0"/>
+          </a:p>
+        </p:txBody>
+      </p:sp>
+      <p:pic>
+        <p:nvPicPr>
+          <p:cNvPr id="7" name="Рисунок 6">
+            <a:extLst>
+              <a:ext uri="{FF2B5EF4-FFF2-40B4-BE49-F238E27FC236}">
+                <a16:creationId xmlns:a16="http://schemas.microsoft.com/office/drawing/2014/main" id="{43044326-8D75-4C63-9226-CB571BE66641}"/>
+              </a:ext>
+            </a:extLst>
+          </p:cNvPr>
+          <p:cNvPicPr>
+            <a:picLocks noChangeAspect="1"/>
+          </p:cNvPicPr>
+          <p:nvPr/>
+        </p:nvPicPr>
+        <p:blipFill>
+          <a:blip r:embed="rId2">
+            <a:extLst>
+              <a:ext uri="{28A0092B-C50C-407E-A947-70E740481C1C}">
+                <a14:useLocalDpi xmlns:a14="http://schemas.microsoft.com/office/drawing/2010/main" val="0"/>
+              </a:ext>
+            </a:extLst>
+          </a:blip>
+          <a:stretch>
+            <a:fillRect/>
+          </a:stretch>
+        </p:blipFill>
+        <p:spPr>
+          <a:xfrm>
+            <a:off x="647676" y="1874461"/>
+            <a:ext cx="10896647" cy="3109077"/>
+          </a:xfrm>
+          <a:prstGeom prst="rect">
+            <a:avLst/>
+          </a:prstGeom>
+        </p:spPr>
+      </p:pic>
+    </p:spTree>
+    <p:extLst>
+      <p:ext uri="{BB962C8B-B14F-4D97-AF65-F5344CB8AC3E}">
+        <p14:creationId xmlns:p14="http://schemas.microsoft.com/office/powerpoint/2010/main" val="1189532417"/>
+      </p:ext>
+    </p:extLst>
+  </p:cSld>
+  <p:clrMapOvr>
+    <a:masterClrMapping/>
+  </p:clrMapOvr>
+</p:sld>
+</file>
+
+<file path=ppt/slides/slide11.xml><?xml version="1.0" encoding="utf-8"?>
+<p:sld xmlns:a="http://schemas.openxmlformats.org/drawingml/2006/main" xmlns:r="http://schemas.openxmlformats.org/officeDocument/2006/relationships" xmlns:p="http://schemas.openxmlformats.org/presentationml/2006/main">
+  <p:cSld>
+    <p:spTree>
+      <p:nvGrpSpPr>
+        <p:cNvPr id="1" name=""/>
+        <p:cNvGrpSpPr/>
+        <p:nvPr/>
+      </p:nvGrpSpPr>
+      <p:grpSpPr>
+        <a:xfrm>
+          <a:off x="0" y="0"/>
+          <a:ext cx="0" cy="0"/>
+          <a:chOff x="0" y="0"/>
+          <a:chExt cx="0" cy="0"/>
+        </a:xfrm>
+      </p:grpSpPr>
+      <p:sp>
+        <p:nvSpPr>
+          <p:cNvPr id="2" name="Заголовок 1">
+            <a:extLst>
+              <a:ext uri="{FF2B5EF4-FFF2-40B4-BE49-F238E27FC236}">
                 <a16:creationId xmlns:a16="http://schemas.microsoft.com/office/drawing/2014/main" id="{A65EBBAD-E2C8-4000-8E44-714F468B28BE}"/>
               </a:ext>
             </a:extLst>
@@ -3738,25 +3836,14 @@
           <a:p>
             <a:r>
               <a:rPr lang="uk-UA" dirty="0"/>
-              <a:t>Актуальність </a:t>
-            </a:r>
-          </a:p>
-          <a:p>
-            <a:r>
-              <a:rPr lang="uk-UA" dirty="0"/>
               <a:t>Постановка задачі </a:t>
             </a:r>
-          </a:p>
-          <a:p>
-            <a:r>
-              <a:rPr lang="ru-RU" dirty="0"/>
-              <a:t>Мета </a:t>
-            </a:r>
+            <a:endParaRPr lang="ru-RU" dirty="0"/>
           </a:p>
           <a:p>
             <a:r>
               <a:rPr lang="ru-RU" dirty="0" err="1"/>
-              <a:t>Моделювання</a:t>
+              <a:t>Архітектура</a:t>
             </a:r>
             <a:r>
               <a:rPr lang="ru-RU" dirty="0"/>
@@ -3766,7 +3853,7 @@
           <a:p>
             <a:r>
               <a:rPr lang="ru-RU" dirty="0" err="1"/>
-              <a:t>Опис</a:t>
+              <a:t>Геометрія</a:t>
             </a:r>
             <a:r>
               <a:rPr lang="ru-RU" dirty="0"/>
@@ -3774,7 +3861,52 @@
             </a:r>
             <a:r>
               <a:rPr lang="ru-RU" dirty="0" err="1"/>
-              <a:t>геометрії</a:t>
+              <a:t>Моделі</a:t>
+            </a:r>
+            <a:endParaRPr lang="ru-RU" dirty="0"/>
+          </a:p>
+          <a:p>
+            <a:r>
+              <a:rPr lang="ru-RU" dirty="0"/>
+              <a:t>Детектор та </a:t>
+            </a:r>
+            <a:r>
+              <a:rPr lang="ru-RU" dirty="0" err="1"/>
+              <a:t>захист</a:t>
+            </a:r>
+            <a:r>
+              <a:rPr lang="ru-RU" dirty="0"/>
+              <a:t> детектора </a:t>
+            </a:r>
+          </a:p>
+          <a:p>
+            <a:r>
+              <a:rPr lang="ru-RU" dirty="0" err="1"/>
+              <a:t>Хімічний</a:t>
+            </a:r>
+            <a:r>
+              <a:rPr lang="ru-RU" dirty="0"/>
+              <a:t> та </a:t>
+            </a:r>
+            <a:r>
+              <a:rPr lang="ru-RU" dirty="0" err="1"/>
+              <a:t>ізотопний</a:t>
+            </a:r>
+            <a:r>
+              <a:rPr lang="ru-RU" dirty="0"/>
+              <a:t> склад </a:t>
+            </a:r>
+            <a:r>
+              <a:rPr lang="ru-RU" dirty="0" err="1"/>
+              <a:t>досліджуваних</a:t>
+            </a:r>
+            <a:r>
+              <a:rPr lang="ru-RU" dirty="0"/>
+              <a:t> </a:t>
+            </a:r>
+            <a:r>
+              <a:rPr lang="ru-RU" dirty="0" err="1"/>
+              <a:t>речовин</a:t>
             </a:r>
             <a:endParaRPr lang="ru-RU" dirty="0"/>
           </a:p>
@@ -3882,15 +4014,7 @@
           <a:p>
             <a:r>
               <a:rPr lang="uk-UA" dirty="0"/>
-              <a:t>Створення моделі з використанням </a:t>
-            </a:r>
-            <a:r>
-              <a:rPr lang="uk-UA" dirty="0" err="1"/>
-              <a:t>напів</a:t>
-            </a:r>
-            <a:r>
-              <a:rPr lang="uk-UA" dirty="0"/>
-              <a:t>-провідникового детектора, яка б дала можливість отримати інформацію про елементи, що входять до складу океанічного </a:t>
+              <a:t>Створити геометрію моделі для проведення досліджень елементів, що входять до складу океанічного </a:t>
             </a:r>
             <a:r>
               <a:rPr lang="uk-UA" dirty="0" err="1"/>
@@ -3898,7 +4022,19 @@
             </a:r>
             <a:r>
               <a:rPr lang="uk-UA" dirty="0"/>
-              <a:t> </a:t>
+              <a:t>, використовуючи </a:t>
+            </a:r>
+            <a:r>
+              <a:rPr lang="en-US" dirty="0" err="1"/>
+              <a:t>HPGe</a:t>
+            </a:r>
+            <a:r>
+              <a:rPr lang="en-US" dirty="0"/>
+              <a:t> – </a:t>
+            </a:r>
+            <a:r>
+              <a:rPr lang="uk-UA" dirty="0"/>
+              <a:t>детектор </a:t>
             </a:r>
           </a:p>
           <a:p>
@@ -3918,11 +4054,7 @@
           <a:p>
             <a:r>
               <a:rPr lang="uk-UA" dirty="0"/>
-              <a:t>Оцінити мінімальну масу елементу для </a:t>
-            </a:r>
-            <a:r>
-              <a:rPr lang="uk-UA"/>
-              <a:t>можливості детектування </a:t>
+              <a:t>Оцінити мінімальну масу елементу для можливості детектування </a:t>
             </a:r>
             <a:endParaRPr lang="ru-RU" dirty="0"/>
           </a:p>
@@ -3950,8 +4082,8 @@
         </p:blipFill>
         <p:spPr>
           <a:xfrm>
-            <a:off x="6096000" y="3134477"/>
-            <a:ext cx="1419225" cy="428625"/>
+            <a:off x="6160510" y="3144184"/>
+            <a:ext cx="1290205" cy="389659"/>
           </a:xfrm>
           <a:prstGeom prst="rect">
             <a:avLst/>
@@ -4010,10 +4142,10 @@
           <a:lstStyle/>
           <a:p>
             <a:r>
-              <a:rPr lang="uk-UA" dirty="0"/>
+              <a:rPr lang="uk-UA" b="1" dirty="0"/>
               <a:t>Архітектура моделі</a:t>
             </a:r>
-            <a:endParaRPr lang="ru-RU" dirty="0"/>
+            <a:endParaRPr lang="ru-RU" b="1" dirty="0"/>
           </a:p>
         </p:txBody>
       </p:sp>
@@ -4047,11 +4179,157 @@
         </p:blipFill>
         <p:spPr>
           <a:xfrm>
-            <a:off x="537410" y="1223837"/>
-            <a:ext cx="11117179" cy="5269038"/>
+            <a:off x="689811" y="1392882"/>
+            <a:ext cx="7186863" cy="4642141"/>
           </a:xfrm>
         </p:spPr>
       </p:pic>
+      <p:sp>
+        <p:nvSpPr>
+          <p:cNvPr id="3" name="TextBox 2">
+            <a:extLst>
+              <a:ext uri="{FF2B5EF4-FFF2-40B4-BE49-F238E27FC236}">
+                <a16:creationId xmlns:a16="http://schemas.microsoft.com/office/drawing/2014/main" id="{BED577E8-F079-479E-9FF2-4417EF01F239}"/>
+              </a:ext>
+            </a:extLst>
+          </p:cNvPr>
+          <p:cNvSpPr txBox="1"/>
+          <p:nvPr/>
+        </p:nvSpPr>
+        <p:spPr>
+          <a:xfrm>
+            <a:off x="8518358" y="1556084"/>
+            <a:ext cx="2983831" cy="3693319"/>
+          </a:xfrm>
+          <a:prstGeom prst="rect">
+            <a:avLst/>
+          </a:prstGeom>
+          <a:noFill/>
+        </p:spPr>
+        <p:txBody>
+          <a:bodyPr wrap="square" rtlCol="0">
+            <a:spAutoFit/>
+          </a:bodyPr>
+          <a:lstStyle/>
+          <a:p>
+            <a:pPr marL="285750" indent="-285750">
+              <a:buFont typeface="Arial" panose="020B0604020202020204" pitchFamily="34" charset="0"/>
+              <a:buChar char="•"/>
+            </a:pPr>
+            <a:r>
+              <a:rPr lang="en-US" dirty="0"/>
+              <a:t>QGSP_BERT – </a:t>
+            </a:r>
+            <a:r>
+              <a:rPr lang="uk-UA" dirty="0"/>
+              <a:t>фізична модель</a:t>
+            </a:r>
+          </a:p>
+          <a:p>
+            <a:pPr marL="285750" indent="-285750">
+              <a:buFont typeface="Arial" panose="020B0604020202020204" pitchFamily="34" charset="0"/>
+              <a:buChar char="•"/>
+            </a:pPr>
+            <a:r>
+              <a:rPr lang="en-US" dirty="0"/>
+              <a:t>G4MTTunManager – </a:t>
+            </a:r>
+            <a:r>
+              <a:rPr lang="uk-UA" dirty="0"/>
+              <a:t>основний контролер</a:t>
+            </a:r>
+          </a:p>
+          <a:p>
+            <a:pPr marL="285750" indent="-285750">
+              <a:buFont typeface="Arial" panose="020B0604020202020204" pitchFamily="34" charset="0"/>
+              <a:buChar char="•"/>
+            </a:pPr>
+            <a:r>
+              <a:rPr lang="en-US" dirty="0" err="1"/>
+              <a:t>GeometryFabric</a:t>
+            </a:r>
+            <a:r>
+              <a:rPr lang="en-US" dirty="0"/>
+              <a:t> – </a:t>
+            </a:r>
+            <a:r>
+              <a:rPr lang="uk-UA" dirty="0"/>
+              <a:t>створення геометричних, та розміщення геометричних фігур у </a:t>
+            </a:r>
+            <a:r>
+              <a:rPr lang="uk-UA" dirty="0" err="1"/>
+              <a:t>канвасі</a:t>
+            </a:r>
+            <a:r>
+              <a:rPr lang="uk-UA" dirty="0"/>
+              <a:t> </a:t>
+            </a:r>
+          </a:p>
+          <a:p>
+            <a:pPr marL="285750" indent="-285750">
+              <a:buFont typeface="Arial" panose="020B0604020202020204" pitchFamily="34" charset="0"/>
+              <a:buChar char="•"/>
+            </a:pPr>
+            <a:r>
+              <a:rPr lang="en-US" dirty="0"/>
+              <a:t>Utils </a:t>
+            </a:r>
+            <a:r>
+              <a:rPr lang="uk-UA" dirty="0"/>
+              <a:t>– </a:t>
+            </a:r>
+            <a:r>
+              <a:rPr lang="ru-RU" dirty="0" err="1"/>
+              <a:t>налаштування</a:t>
+            </a:r>
+            <a:r>
+              <a:rPr lang="ru-RU" dirty="0"/>
+              <a:t> </a:t>
+            </a:r>
+            <a:r>
+              <a:rPr lang="ru-RU" dirty="0" err="1"/>
+              <a:t>моделі</a:t>
+            </a:r>
+            <a:r>
+              <a:rPr lang="ru-RU" dirty="0"/>
+              <a:t>, </a:t>
+            </a:r>
+            <a:r>
+              <a:rPr lang="ru-RU" dirty="0" err="1"/>
+              <a:t>константи</a:t>
+            </a:r>
+            <a:r>
+              <a:rPr lang="ru-RU" dirty="0"/>
+              <a:t>, </a:t>
+            </a:r>
+            <a:r>
+              <a:rPr lang="ru-RU" dirty="0" err="1"/>
+              <a:t>алгоритми</a:t>
+            </a:r>
+            <a:r>
+              <a:rPr lang="ru-RU" dirty="0"/>
+              <a:t> для </a:t>
+            </a:r>
+            <a:r>
+              <a:rPr lang="ru-RU" dirty="0" err="1"/>
+              <a:t>обробки</a:t>
+            </a:r>
+            <a:r>
+              <a:rPr lang="ru-RU" dirty="0"/>
+              <a:t> </a:t>
+            </a:r>
+            <a:r>
+              <a:rPr lang="ru-RU" dirty="0" err="1"/>
+              <a:t>спектрів</a:t>
+            </a:r>
+            <a:r>
+              <a:rPr lang="ru-RU" dirty="0"/>
+              <a:t> </a:t>
+            </a:r>
+            <a:endParaRPr lang="en-US" dirty="0"/>
+          </a:p>
+        </p:txBody>
+      </p:sp>
     </p:spTree>
     <p:extLst>
       <p:ext uri="{BB962C8B-B14F-4D97-AF65-F5344CB8AC3E}">
@@ -4104,51 +4382,10 @@
           <a:lstStyle/>
           <a:p>
             <a:r>
-              <a:rPr lang="uk-UA" dirty="0"/>
-              <a:t>Опис геометрії</a:t>
-            </a:r>
-            <a:endParaRPr lang="ru-RU" dirty="0"/>
-          </a:p>
-        </p:txBody>
-      </p:sp>
-      <p:sp>
-        <p:nvSpPr>
-          <p:cNvPr id="3" name="Объект 2">
-            <a:extLst>
-              <a:ext uri="{FF2B5EF4-FFF2-40B4-BE49-F238E27FC236}">
-                <a16:creationId xmlns:a16="http://schemas.microsoft.com/office/drawing/2014/main" id="{D487372E-87E5-4025-B781-2F9FDB6CCAB6}"/>
-              </a:ext>
-            </a:extLst>
-          </p:cNvPr>
-          <p:cNvSpPr>
-            <a:spLocks noGrp="1"/>
-          </p:cNvSpPr>
-          <p:nvPr>
-            <p:ph idx="1"/>
-          </p:nvPr>
-        </p:nvSpPr>
-        <p:spPr>
-          <a:xfrm>
-            <a:off x="707571" y="1468574"/>
-            <a:ext cx="10515600" cy="4351338"/>
-          </a:xfrm>
-        </p:spPr>
-        <p:txBody>
-          <a:bodyPr/>
-          <a:lstStyle/>
-          <a:p>
-            <a:r>
-              <a:rPr lang="uk-UA" dirty="0"/>
-              <a:t>Геометрія моделі була створена, проаналізувавши проект </a:t>
-            </a:r>
-            <a:r>
-              <a:rPr lang="en-US" dirty="0"/>
-              <a:t>SABAT </a:t>
-            </a:r>
-            <a:endParaRPr lang="uk-UA" dirty="0"/>
-          </a:p>
-          <a:p>
-            <a:endParaRPr lang="ru-RU" dirty="0"/>
+              <a:rPr lang="uk-UA" b="1" dirty="0"/>
+              <a:t>Геометрія моделі</a:t>
+            </a:r>
+            <a:endParaRPr lang="ru-RU" b="1" dirty="0"/>
           </a:p>
         </p:txBody>
       </p:sp>
@@ -4180,7 +4417,7 @@
         </p:blipFill>
         <p:spPr>
           <a:xfrm>
-            <a:off x="869085" y="2142266"/>
+            <a:off x="838200" y="1690688"/>
             <a:ext cx="3856171" cy="3856171"/>
           </a:xfrm>
           <a:prstGeom prst="rect">
@@ -4216,7 +4453,7 @@
         </p:blipFill>
         <p:spPr>
           <a:xfrm>
-            <a:off x="6373647" y="2142265"/>
+            <a:off x="7497627" y="1690687"/>
             <a:ext cx="3856171" cy="3856171"/>
           </a:xfrm>
           <a:prstGeom prst="rect">
@@ -4224,6 +4461,206 @@
           </a:prstGeom>
         </p:spPr>
       </p:pic>
+      <p:sp>
+        <p:nvSpPr>
+          <p:cNvPr id="8" name="TextBox 7">
+            <a:extLst>
+              <a:ext uri="{FF2B5EF4-FFF2-40B4-BE49-F238E27FC236}">
+                <a16:creationId xmlns:a16="http://schemas.microsoft.com/office/drawing/2014/main" id="{5D864195-F9FA-4A45-B58C-20AED05EAEFD}"/>
+              </a:ext>
+            </a:extLst>
+          </p:cNvPr>
+          <p:cNvSpPr txBox="1"/>
+          <p:nvPr/>
+        </p:nvSpPr>
+        <p:spPr>
+          <a:xfrm>
+            <a:off x="838200" y="5569545"/>
+            <a:ext cx="3856172" cy="923330"/>
+          </a:xfrm>
+          <a:prstGeom prst="rect">
+            <a:avLst/>
+          </a:prstGeom>
+          <a:noFill/>
+        </p:spPr>
+        <p:txBody>
+          <a:bodyPr wrap="square" rtlCol="0">
+            <a:spAutoFit/>
+          </a:bodyPr>
+          <a:lstStyle/>
+          <a:p>
+            <a:r>
+              <a:rPr lang="uk-UA" dirty="0"/>
+              <a:t>1- нейтронний генератор</a:t>
+            </a:r>
+            <a:r>
+              <a:rPr lang="en-US" dirty="0"/>
+              <a:t> </a:t>
+            </a:r>
+            <a:r>
+              <a:rPr lang="uk-UA" dirty="0"/>
+              <a:t>з тритієвою мішенню,  2 – детектор в захисті, 3 – досліджуваний об’єм.</a:t>
+            </a:r>
+            <a:endParaRPr lang="ru-RU" dirty="0"/>
+          </a:p>
+        </p:txBody>
+      </p:sp>
+      <mc:AlternateContent xmlns:mc="http://schemas.openxmlformats.org/markup-compatibility/2006">
+        <mc:Choice xmlns:a14="http://schemas.microsoft.com/office/drawing/2010/main" Requires="a14">
+          <p:sp>
+            <p:nvSpPr>
+              <p:cNvPr id="10" name="TextBox 9">
+                <a:extLst>
+                  <a:ext uri="{FF2B5EF4-FFF2-40B4-BE49-F238E27FC236}">
+                    <a16:creationId xmlns:a16="http://schemas.microsoft.com/office/drawing/2014/main" id="{2D822213-2653-4CC6-9881-464D25ED7A76}"/>
+                  </a:ext>
+                </a:extLst>
+              </p:cNvPr>
+              <p:cNvSpPr txBox="1"/>
+              <p:nvPr/>
+            </p:nvSpPr>
+            <p:spPr>
+              <a:xfrm>
+                <a:off x="7497627" y="5546858"/>
+                <a:ext cx="4053721" cy="657424"/>
+              </a:xfrm>
+              <a:prstGeom prst="rect">
+                <a:avLst/>
+              </a:prstGeom>
+              <a:noFill/>
+            </p:spPr>
+            <p:txBody>
+              <a:bodyPr wrap="square" rtlCol="0">
+                <a:spAutoFit/>
+              </a:bodyPr>
+              <a:lstStyle/>
+              <a:p>
+                <a:r>
+                  <a:rPr lang="uk-UA" dirty="0"/>
+                  <a:t>0 – повітря, 1 – </a:t>
+                </a:r>
+                <a:r>
+                  <a:rPr lang="en-US" dirty="0"/>
+                  <a:t>Al (2 </a:t>
+                </a:r>
+                <a:r>
+                  <a:rPr lang="uk-UA" dirty="0"/>
+                  <a:t>см</a:t>
+                </a:r>
+                <a:r>
+                  <a:rPr lang="en-US" dirty="0"/>
+                  <a:t>), 2 - </a:t>
+                </a:r>
+                <a14:m>
+                  <m:oMath xmlns:m="http://schemas.openxmlformats.org/officeDocument/2006/math">
+                    <m:sPre>
+                      <m:sPrePr>
+                        <m:ctrlPr>
+                          <a:rPr lang="en-US" i="1" smtClean="0">
+                            <a:latin typeface="Cambria Math" panose="02040503050406030204" pitchFamily="18" charset="0"/>
+                          </a:rPr>
+                        </m:ctrlPr>
+                      </m:sPrePr>
+                      <m:sub>
+                        <m:r>
+                          <a:rPr lang="en-US" b="0" i="1" smtClean="0">
+                            <a:latin typeface="Cambria Math" panose="02040503050406030204" pitchFamily="18" charset="0"/>
+                          </a:rPr>
+                          <m:t>5</m:t>
+                        </m:r>
+                      </m:sub>
+                      <m:sup>
+                        <m:r>
+                          <a:rPr lang="en-US" b="0" i="1" smtClean="0">
+                            <a:latin typeface="Cambria Math" panose="02040503050406030204" pitchFamily="18" charset="0"/>
+                          </a:rPr>
+                          <m:t>10</m:t>
+                        </m:r>
+                      </m:sup>
+                      <m:e>
+                        <m:r>
+                          <a:rPr lang="en-US" b="0" i="1" smtClean="0">
+                            <a:latin typeface="Cambria Math" panose="02040503050406030204" pitchFamily="18" charset="0"/>
+                          </a:rPr>
+                          <m:t>𝐵</m:t>
+                        </m:r>
+                        <m:r>
+                          <a:rPr lang="uk-UA" b="0" i="1" smtClean="0">
+                            <a:latin typeface="Cambria Math" panose="02040503050406030204" pitchFamily="18" charset="0"/>
+                          </a:rPr>
+                          <m:t> (5 см)</m:t>
+                        </m:r>
+                      </m:e>
+                    </m:sPre>
+                    <m:r>
+                      <a:rPr lang="en-US" b="0" i="1" smtClean="0">
+                        <a:latin typeface="Cambria Math" panose="02040503050406030204" pitchFamily="18" charset="0"/>
+                      </a:rPr>
+                      <m:t>,  </m:t>
+                    </m:r>
+                  </m:oMath>
+                </a14:m>
+                <a:r>
+                  <a:rPr lang="en-US" b="0" dirty="0"/>
+                  <a:t>3 – Pb (</a:t>
+                </a:r>
+                <a:r>
+                  <a:rPr lang="uk-UA" b="0" dirty="0"/>
+                  <a:t>1 см</a:t>
+                </a:r>
+                <a:r>
+                  <a:rPr lang="en-US" b="0" dirty="0"/>
+                  <a:t>)</a:t>
+                </a:r>
+              </a:p>
+            </p:txBody>
+          </p:sp>
+        </mc:Choice>
+        <mc:Fallback>
+          <p:sp>
+            <p:nvSpPr>
+              <p:cNvPr id="10" name="TextBox 9">
+                <a:extLst>
+                  <a:ext uri="{FF2B5EF4-FFF2-40B4-BE49-F238E27FC236}">
+                    <a16:creationId xmlns:a16="http://schemas.microsoft.com/office/drawing/2014/main" id="{2D822213-2653-4CC6-9881-464D25ED7A76}"/>
+                  </a:ext>
+                </a:extLst>
+              </p:cNvPr>
+              <p:cNvSpPr txBox="1">
+                <a:spLocks noRot="1" noChangeAspect="1" noMove="1" noResize="1" noEditPoints="1" noAdjustHandles="1" noChangeArrowheads="1" noChangeShapeType="1" noTextEdit="1"/>
+              </p:cNvSpPr>
+              <p:nvPr/>
+            </p:nvSpPr>
+            <p:spPr>
+              <a:xfrm>
+                <a:off x="7497627" y="5546858"/>
+                <a:ext cx="4053721" cy="657424"/>
+              </a:xfrm>
+              <a:prstGeom prst="rect">
+                <a:avLst/>
+              </a:prstGeom>
+              <a:blipFill>
+                <a:blip r:embed="rId4"/>
+                <a:stretch>
+                  <a:fillRect l="-1353" t="-3704" b="-13889"/>
+                </a:stretch>
+              </a:blipFill>
+            </p:spPr>
+            <p:txBody>
+              <a:bodyPr/>
+              <a:lstStyle/>
+              <a:p>
+                <a:r>
+                  <a:rPr lang="ru-RU">
+                    <a:noFill/>
+                  </a:rPr>
+                  <a:t> </a:t>
+                </a:r>
+              </a:p>
+            </p:txBody>
+          </p:sp>
+        </mc:Fallback>
+      </mc:AlternateContent>
     </p:spTree>
     <p:extLst>
       <p:ext uri="{BB962C8B-B14F-4D97-AF65-F5344CB8AC3E}">
@@ -4270,74 +4707,622 @@
             <p:ph type="title"/>
           </p:nvPr>
         </p:nvSpPr>
-        <p:spPr/>
+        <p:spPr>
+          <a:xfrm>
+            <a:off x="838200" y="268872"/>
+            <a:ext cx="4872789" cy="1325563"/>
+          </a:xfrm>
+        </p:spPr>
         <p:txBody>
           <a:bodyPr/>
           <a:lstStyle/>
           <a:p>
             <a:r>
-              <a:rPr lang="uk-UA" dirty="0"/>
-              <a:t>Захист детектора</a:t>
-            </a:r>
-            <a:endParaRPr lang="ru-RU" dirty="0"/>
-          </a:p>
-        </p:txBody>
-      </p:sp>
-      <p:sp>
-        <p:nvSpPr>
-          <p:cNvPr id="3" name="Объект 2">
-            <a:extLst>
-              <a:ext uri="{FF2B5EF4-FFF2-40B4-BE49-F238E27FC236}">
-                <a16:creationId xmlns:a16="http://schemas.microsoft.com/office/drawing/2014/main" id="{F1953F57-3E31-4AAC-9D05-994B3D0A6904}"/>
-              </a:ext>
-            </a:extLst>
-          </p:cNvPr>
-          <p:cNvSpPr>
-            <a:spLocks noGrp="1"/>
-          </p:cNvSpPr>
-          <p:nvPr>
-            <p:ph idx="1"/>
-          </p:nvPr>
-        </p:nvSpPr>
-        <p:spPr/>
-        <p:txBody>
-          <a:bodyPr/>
-          <a:lstStyle/>
-          <a:p>
-            <a:r>
-              <a:rPr lang="uk-UA" dirty="0"/>
-              <a:t>Через використання напівпровідникового детектора, для більшої роздільної здатності було прийнято рішення помістити його у трьох шаровий, для уникнення руйнації.</a:t>
-            </a:r>
-          </a:p>
-          <a:p>
-            <a:r>
-              <a:rPr lang="uk-UA" dirty="0"/>
-              <a:t>За основне джерело випромінення (нейтронне джерело)</a:t>
-            </a:r>
-          </a:p>
-          <a:p>
-            <a:r>
-              <a:rPr lang="uk-UA" dirty="0"/>
-              <a:t>За  рахунок, того що система моделювалась під водою, то за енергія нейтронів поблизу детектора вважалась тепловою</a:t>
-            </a:r>
-          </a:p>
-          <a:p>
-            <a:r>
-              <a:rPr lang="uk-UA" dirty="0"/>
-              <a:t>Тонкий шар свиню для захисту від вторинного альфа </a:t>
-            </a:r>
-            <a:r>
-              <a:rPr lang="uk-UA" dirty="0" err="1"/>
-              <a:t>випромінненя</a:t>
-            </a:r>
-            <a:r>
-              <a:rPr lang="uk-UA" dirty="0"/>
-              <a:t> </a:t>
-            </a:r>
-            <a:endParaRPr lang="ru-RU" dirty="0"/>
-          </a:p>
-        </p:txBody>
-      </p:sp>
+              <a:rPr lang="uk-UA" b="1" dirty="0"/>
+              <a:t>Детектор</a:t>
+            </a:r>
+            <a:endParaRPr lang="ru-RU" b="1" dirty="0"/>
+          </a:p>
+        </p:txBody>
+      </p:sp>
+      <mc:AlternateContent xmlns:mc="http://schemas.openxmlformats.org/markup-compatibility/2006">
+        <mc:Choice xmlns:a14="http://schemas.microsoft.com/office/drawing/2010/main" Requires="a14">
+          <p:sp>
+            <p:nvSpPr>
+              <p:cNvPr id="3" name="Объект 2">
+                <a:extLst>
+                  <a:ext uri="{FF2B5EF4-FFF2-40B4-BE49-F238E27FC236}">
+                    <a16:creationId xmlns:a16="http://schemas.microsoft.com/office/drawing/2014/main" id="{F1953F57-3E31-4AAC-9D05-994B3D0A6904}"/>
+                  </a:ext>
+                </a:extLst>
+              </p:cNvPr>
+              <p:cNvSpPr>
+                <a:spLocks noGrp="1"/>
+              </p:cNvSpPr>
+              <p:nvPr>
+                <p:ph idx="1"/>
+              </p:nvPr>
+            </p:nvSpPr>
+            <p:spPr>
+              <a:xfrm>
+                <a:off x="838200" y="1825625"/>
+                <a:ext cx="4872789" cy="4351338"/>
+              </a:xfrm>
+            </p:spPr>
+            <p:txBody>
+              <a:bodyPr>
+                <a:normAutofit/>
+              </a:bodyPr>
+              <a:lstStyle/>
+              <a:p>
+                <a:r>
+                  <a:rPr lang="uk-UA" dirty="0"/>
+                  <a:t>У моделюванні використовувався </a:t>
+                </a:r>
+                <a:r>
+                  <a:rPr lang="en-US" dirty="0" err="1"/>
+                  <a:t>HPGe</a:t>
+                </a:r>
+                <a:r>
+                  <a:rPr lang="en-US" dirty="0"/>
+                  <a:t> (high purity germanium) </a:t>
+                </a:r>
+                <a:r>
+                  <a:rPr lang="uk-UA" dirty="0"/>
+                  <a:t>детектор</a:t>
+                </a:r>
+              </a:p>
+              <a:p>
+                <a:r>
+                  <a:rPr lang="uk-UA" dirty="0"/>
+                  <a:t>Розміри детектора співпадають з детектором </a:t>
+                </a:r>
+                <a:r>
+                  <a:rPr lang="en-US" dirty="0"/>
+                  <a:t>N21879A</a:t>
+                </a:r>
+                <a:r>
+                  <a:rPr lang="uk-UA" dirty="0"/>
+                  <a:t> </a:t>
+                </a:r>
+                <a:r>
+                  <a:rPr lang="en-US" dirty="0"/>
+                  <a:t>ORTEC AMETEK</a:t>
+                </a:r>
+                <a:r>
+                  <a:rPr lang="uk-UA" dirty="0"/>
+                  <a:t> </a:t>
+                </a:r>
+                <a:r>
+                  <a:rPr lang="en-US" dirty="0"/>
+                  <a:t>[60.6 x 56.7 </a:t>
+                </a:r>
+                <a:r>
+                  <a:rPr lang="ru-RU" dirty="0"/>
+                  <a:t>мм</a:t>
+                </a:r>
+                <a:r>
+                  <a:rPr lang="en-US" dirty="0"/>
+                  <a:t>] </a:t>
+                </a:r>
+                <a:endParaRPr lang="uk-UA" dirty="0"/>
+              </a:p>
+              <a:p>
+                <a14:m>
+                  <m:oMath xmlns:m="http://schemas.openxmlformats.org/officeDocument/2006/math">
+                    <m:sPre>
+                      <m:sPrePr>
+                        <m:ctrlPr>
+                          <a:rPr lang="ru-RU" i="1" smtClean="0">
+                            <a:latin typeface="Cambria Math" panose="02040503050406030204" pitchFamily="18" charset="0"/>
+                          </a:rPr>
+                        </m:ctrlPr>
+                      </m:sPrePr>
+                      <m:sub>
+                        <m:r>
+                          <a:rPr lang="en-US" b="0" i="1" smtClean="0">
+                            <a:latin typeface="Cambria Math" panose="02040503050406030204" pitchFamily="18" charset="0"/>
+                          </a:rPr>
+                          <m:t>32</m:t>
+                        </m:r>
+                      </m:sub>
+                      <m:sup>
+                        <m:r>
+                          <a:rPr lang="en-US" b="0" i="1" smtClean="0">
+                            <a:latin typeface="Cambria Math" panose="02040503050406030204" pitchFamily="18" charset="0"/>
+                          </a:rPr>
+                          <m:t>72</m:t>
+                        </m:r>
+                      </m:sup>
+                      <m:e>
+                        <m:r>
+                          <a:rPr lang="en-US" b="0" i="1" smtClean="0">
+                            <a:latin typeface="Cambria Math" panose="02040503050406030204" pitchFamily="18" charset="0"/>
+                          </a:rPr>
+                          <m:t>𝐺𝑒</m:t>
+                        </m:r>
+                      </m:e>
+                    </m:sPre>
+                  </m:oMath>
+                </a14:m>
+                <a:r>
+                  <a:rPr lang="en-US" dirty="0"/>
+                  <a:t> - </a:t>
+                </a:r>
+                <a:r>
+                  <a:rPr lang="uk-UA" dirty="0"/>
+                  <a:t>основний ізотоп, з нього складеться чутливий об’єм детектора</a:t>
+                </a:r>
+                <a:endParaRPr lang="ru-RU" dirty="0"/>
+              </a:p>
+            </p:txBody>
+          </p:sp>
+        </mc:Choice>
+        <mc:Fallback>
+          <p:sp>
+            <p:nvSpPr>
+              <p:cNvPr id="3" name="Объект 2">
+                <a:extLst>
+                  <a:ext uri="{FF2B5EF4-FFF2-40B4-BE49-F238E27FC236}">
+                    <a16:creationId xmlns:a16="http://schemas.microsoft.com/office/drawing/2014/main" id="{F1953F57-3E31-4AAC-9D05-994B3D0A6904}"/>
+                  </a:ext>
+                </a:extLst>
+              </p:cNvPr>
+              <p:cNvSpPr>
+                <a:spLocks noGrp="1" noRot="1" noChangeAspect="1" noMove="1" noResize="1" noEditPoints="1" noAdjustHandles="1" noChangeArrowheads="1" noChangeShapeType="1" noTextEdit="1"/>
+              </p:cNvSpPr>
+              <p:nvPr>
+                <p:ph idx="1"/>
+              </p:nvPr>
+            </p:nvSpPr>
+            <p:spPr>
+              <a:xfrm>
+                <a:off x="838200" y="1825625"/>
+                <a:ext cx="4872789" cy="4351338"/>
+              </a:xfrm>
+              <a:blipFill>
+                <a:blip r:embed="rId2"/>
+                <a:stretch>
+                  <a:fillRect l="-2253" t="-2241" r="-3379" b="-420"/>
+                </a:stretch>
+              </a:blipFill>
+            </p:spPr>
+            <p:txBody>
+              <a:bodyPr/>
+              <a:lstStyle/>
+              <a:p>
+                <a:r>
+                  <a:rPr lang="ru-RU">
+                    <a:noFill/>
+                  </a:rPr>
+                  <a:t> </a:t>
+                </a:r>
+              </a:p>
+            </p:txBody>
+          </p:sp>
+        </mc:Fallback>
+      </mc:AlternateContent>
+      <p:sp>
+        <p:nvSpPr>
+          <p:cNvPr id="4" name="Заголовок 1">
+            <a:extLst>
+              <a:ext uri="{FF2B5EF4-FFF2-40B4-BE49-F238E27FC236}">
+                <a16:creationId xmlns:a16="http://schemas.microsoft.com/office/drawing/2014/main" id="{AC00894A-340A-444C-8BAD-0C656A10F0D2}"/>
+              </a:ext>
+            </a:extLst>
+          </p:cNvPr>
+          <p:cNvSpPr txBox="1">
+            <a:spLocks/>
+          </p:cNvSpPr>
+          <p:nvPr/>
+        </p:nvSpPr>
+        <p:spPr>
+          <a:xfrm>
+            <a:off x="6637421" y="268871"/>
+            <a:ext cx="4872789" cy="1325563"/>
+          </a:xfrm>
+          <a:prstGeom prst="rect">
+            <a:avLst/>
+          </a:prstGeom>
+        </p:spPr>
+        <p:txBody>
+          <a:bodyPr vert="horz" lIns="91440" tIns="45720" rIns="91440" bIns="45720" rtlCol="0" anchor="ctr">
+            <a:normAutofit/>
+          </a:bodyPr>
+          <a:lstStyle>
+            <a:lvl1pPr algn="l" defTabSz="914400" rtl="0" eaLnBrk="1" latinLnBrk="0" hangingPunct="1">
+              <a:lnSpc>
+                <a:spcPct val="90000"/>
+              </a:lnSpc>
+              <a:spcBef>
+                <a:spcPct val="0"/>
+              </a:spcBef>
+              <a:buNone/>
+              <a:defRPr sz="4400" kern="1200">
+                <a:solidFill>
+                  <a:schemeClr val="tx1"/>
+                </a:solidFill>
+                <a:latin typeface="+mj-lt"/>
+                <a:ea typeface="+mj-ea"/>
+                <a:cs typeface="+mj-cs"/>
+              </a:defRPr>
+            </a:lvl1pPr>
+          </a:lstStyle>
+          <a:p>
+            <a:r>
+              <a:rPr lang="uk-UA" b="1" dirty="0"/>
+              <a:t>Захист</a:t>
+            </a:r>
+            <a:r>
+              <a:rPr lang="ru-RU" b="1" dirty="0"/>
+              <a:t> детектора</a:t>
+            </a:r>
+            <a:endParaRPr lang="uk-UA" b="1" dirty="0"/>
+          </a:p>
+        </p:txBody>
+      </p:sp>
+      <mc:AlternateContent xmlns:mc="http://schemas.openxmlformats.org/markup-compatibility/2006">
+        <mc:Choice xmlns:a14="http://schemas.microsoft.com/office/drawing/2010/main" Requires="a14">
+          <p:sp>
+            <p:nvSpPr>
+              <p:cNvPr id="5" name="Объект 2">
+                <a:extLst>
+                  <a:ext uri="{FF2B5EF4-FFF2-40B4-BE49-F238E27FC236}">
+                    <a16:creationId xmlns:a16="http://schemas.microsoft.com/office/drawing/2014/main" id="{8349B6D1-9A2E-42D6-B177-349620FC3C88}"/>
+                  </a:ext>
+                </a:extLst>
+              </p:cNvPr>
+              <p:cNvSpPr txBox="1">
+                <a:spLocks/>
+              </p:cNvSpPr>
+              <p:nvPr/>
+            </p:nvSpPr>
+            <p:spPr>
+              <a:xfrm>
+                <a:off x="6481013" y="1825625"/>
+                <a:ext cx="4872789" cy="4351338"/>
+              </a:xfrm>
+              <a:prstGeom prst="rect">
+                <a:avLst/>
+              </a:prstGeom>
+            </p:spPr>
+            <p:txBody>
+              <a:bodyPr vert="horz" lIns="91440" tIns="45720" rIns="91440" bIns="45720" rtlCol="0">
+                <a:normAutofit/>
+              </a:bodyPr>
+              <a:lstStyle>
+                <a:lvl1pPr marL="228600" indent="-228600" algn="l" defTabSz="914400" rtl="0" eaLnBrk="1" latinLnBrk="0" hangingPunct="1">
+                  <a:lnSpc>
+                    <a:spcPct val="90000"/>
+                  </a:lnSpc>
+                  <a:spcBef>
+                    <a:spcPts val="1000"/>
+                  </a:spcBef>
+                  <a:buFont typeface="Arial" panose="020B0604020202020204" pitchFamily="34" charset="0"/>
+                  <a:buChar char="•"/>
+                  <a:defRPr sz="2800" kern="1200">
+                    <a:solidFill>
+                      <a:schemeClr val="tx1"/>
+                    </a:solidFill>
+                    <a:latin typeface="+mn-lt"/>
+                    <a:ea typeface="+mn-ea"/>
+                    <a:cs typeface="+mn-cs"/>
+                  </a:defRPr>
+                </a:lvl1pPr>
+                <a:lvl2pPr marL="685800" indent="-228600" algn="l" defTabSz="914400" rtl="0" eaLnBrk="1" latinLnBrk="0" hangingPunct="1">
+                  <a:lnSpc>
+                    <a:spcPct val="90000"/>
+                  </a:lnSpc>
+                  <a:spcBef>
+                    <a:spcPts val="500"/>
+                  </a:spcBef>
+                  <a:buFont typeface="Arial" panose="020B0604020202020204" pitchFamily="34" charset="0"/>
+                  <a:buChar char="•"/>
+                  <a:defRPr sz="2400" kern="1200">
+                    <a:solidFill>
+                      <a:schemeClr val="tx1"/>
+                    </a:solidFill>
+                    <a:latin typeface="+mn-lt"/>
+                    <a:ea typeface="+mn-ea"/>
+                    <a:cs typeface="+mn-cs"/>
+                  </a:defRPr>
+                </a:lvl2pPr>
+                <a:lvl3pPr marL="1143000" indent="-228600" algn="l" defTabSz="914400" rtl="0" eaLnBrk="1" latinLnBrk="0" hangingPunct="1">
+                  <a:lnSpc>
+                    <a:spcPct val="90000"/>
+                  </a:lnSpc>
+                  <a:spcBef>
+                    <a:spcPts val="500"/>
+                  </a:spcBef>
+                  <a:buFont typeface="Arial" panose="020B0604020202020204" pitchFamily="34" charset="0"/>
+                  <a:buChar char="•"/>
+                  <a:defRPr sz="2000" kern="1200">
+                    <a:solidFill>
+                      <a:schemeClr val="tx1"/>
+                    </a:solidFill>
+                    <a:latin typeface="+mn-lt"/>
+                    <a:ea typeface="+mn-ea"/>
+                    <a:cs typeface="+mn-cs"/>
+                  </a:defRPr>
+                </a:lvl3pPr>
+                <a:lvl4pPr marL="1600200" indent="-228600" algn="l" defTabSz="914400" rtl="0" eaLnBrk="1" latinLnBrk="0" hangingPunct="1">
+                  <a:lnSpc>
+                    <a:spcPct val="90000"/>
+                  </a:lnSpc>
+                  <a:spcBef>
+                    <a:spcPts val="500"/>
+                  </a:spcBef>
+                  <a:buFont typeface="Arial" panose="020B0604020202020204" pitchFamily="34" charset="0"/>
+                  <a:buChar char="•"/>
+                  <a:defRPr sz="1800" kern="1200">
+                    <a:solidFill>
+                      <a:schemeClr val="tx1"/>
+                    </a:solidFill>
+                    <a:latin typeface="+mn-lt"/>
+                    <a:ea typeface="+mn-ea"/>
+                    <a:cs typeface="+mn-cs"/>
+                  </a:defRPr>
+                </a:lvl4pPr>
+                <a:lvl5pPr marL="2057400" indent="-228600" algn="l" defTabSz="914400" rtl="0" eaLnBrk="1" latinLnBrk="0" hangingPunct="1">
+                  <a:lnSpc>
+                    <a:spcPct val="90000"/>
+                  </a:lnSpc>
+                  <a:spcBef>
+                    <a:spcPts val="500"/>
+                  </a:spcBef>
+                  <a:buFont typeface="Arial" panose="020B0604020202020204" pitchFamily="34" charset="0"/>
+                  <a:buChar char="•"/>
+                  <a:defRPr sz="1800" kern="1200">
+                    <a:solidFill>
+                      <a:schemeClr val="tx1"/>
+                    </a:solidFill>
+                    <a:latin typeface="+mn-lt"/>
+                    <a:ea typeface="+mn-ea"/>
+                    <a:cs typeface="+mn-cs"/>
+                  </a:defRPr>
+                </a:lvl5pPr>
+                <a:lvl6pPr marL="2514600" indent="-228600" algn="l" defTabSz="914400" rtl="0" eaLnBrk="1" latinLnBrk="0" hangingPunct="1">
+                  <a:lnSpc>
+                    <a:spcPct val="90000"/>
+                  </a:lnSpc>
+                  <a:spcBef>
+                    <a:spcPts val="500"/>
+                  </a:spcBef>
+                  <a:buFont typeface="Arial" panose="020B0604020202020204" pitchFamily="34" charset="0"/>
+                  <a:buChar char="•"/>
+                  <a:defRPr sz="1800" kern="1200">
+                    <a:solidFill>
+                      <a:schemeClr val="tx1"/>
+                    </a:solidFill>
+                    <a:latin typeface="+mn-lt"/>
+                    <a:ea typeface="+mn-ea"/>
+                    <a:cs typeface="+mn-cs"/>
+                  </a:defRPr>
+                </a:lvl6pPr>
+                <a:lvl7pPr marL="2971800" indent="-228600" algn="l" defTabSz="914400" rtl="0" eaLnBrk="1" latinLnBrk="0" hangingPunct="1">
+                  <a:lnSpc>
+                    <a:spcPct val="90000"/>
+                  </a:lnSpc>
+                  <a:spcBef>
+                    <a:spcPts val="500"/>
+                  </a:spcBef>
+                  <a:buFont typeface="Arial" panose="020B0604020202020204" pitchFamily="34" charset="0"/>
+                  <a:buChar char="•"/>
+                  <a:defRPr sz="1800" kern="1200">
+                    <a:solidFill>
+                      <a:schemeClr val="tx1"/>
+                    </a:solidFill>
+                    <a:latin typeface="+mn-lt"/>
+                    <a:ea typeface="+mn-ea"/>
+                    <a:cs typeface="+mn-cs"/>
+                  </a:defRPr>
+                </a:lvl7pPr>
+                <a:lvl8pPr marL="3429000" indent="-228600" algn="l" defTabSz="914400" rtl="0" eaLnBrk="1" latinLnBrk="0" hangingPunct="1">
+                  <a:lnSpc>
+                    <a:spcPct val="90000"/>
+                  </a:lnSpc>
+                  <a:spcBef>
+                    <a:spcPts val="500"/>
+                  </a:spcBef>
+                  <a:buFont typeface="Arial" panose="020B0604020202020204" pitchFamily="34" charset="0"/>
+                  <a:buChar char="•"/>
+                  <a:defRPr sz="1800" kern="1200">
+                    <a:solidFill>
+                      <a:schemeClr val="tx1"/>
+                    </a:solidFill>
+                    <a:latin typeface="+mn-lt"/>
+                    <a:ea typeface="+mn-ea"/>
+                    <a:cs typeface="+mn-cs"/>
+                  </a:defRPr>
+                </a:lvl8pPr>
+                <a:lvl9pPr marL="3886200" indent="-228600" algn="l" defTabSz="914400" rtl="0" eaLnBrk="1" latinLnBrk="0" hangingPunct="1">
+                  <a:lnSpc>
+                    <a:spcPct val="90000"/>
+                  </a:lnSpc>
+                  <a:spcBef>
+                    <a:spcPts val="500"/>
+                  </a:spcBef>
+                  <a:buFont typeface="Arial" panose="020B0604020202020204" pitchFamily="34" charset="0"/>
+                  <a:buChar char="•"/>
+                  <a:defRPr sz="1800" kern="1200">
+                    <a:solidFill>
+                      <a:schemeClr val="tx1"/>
+                    </a:solidFill>
+                    <a:latin typeface="+mn-lt"/>
+                    <a:ea typeface="+mn-ea"/>
+                    <a:cs typeface="+mn-cs"/>
+                  </a:defRPr>
+                </a:lvl9pPr>
+              </a:lstStyle>
+              <a:p>
+                <a:r>
+                  <a:rPr lang="uk-UA" dirty="0"/>
+                  <a:t>1 - Зовнішній контур </a:t>
+                </a:r>
+                <a:r>
+                  <a:rPr lang="en-US" dirty="0"/>
+                  <a:t>Al – 2</a:t>
+                </a:r>
+                <a:r>
+                  <a:rPr lang="uk-UA" dirty="0"/>
+                  <a:t>см </a:t>
+                </a:r>
+              </a:p>
+              <a:p>
+                <a:r>
+                  <a:rPr lang="ru-RU" dirty="0"/>
+                  <a:t>2 - </a:t>
+                </a:r>
+                <a14:m>
+                  <m:oMath xmlns:m="http://schemas.openxmlformats.org/officeDocument/2006/math">
+                    <m:sPre>
+                      <m:sPrePr>
+                        <m:ctrlPr>
+                          <a:rPr lang="en-US" i="1">
+                            <a:latin typeface="Cambria Math" panose="02040503050406030204" pitchFamily="18" charset="0"/>
+                          </a:rPr>
+                        </m:ctrlPr>
+                      </m:sPrePr>
+                      <m:sub>
+                        <m:r>
+                          <a:rPr lang="en-US" i="1">
+                            <a:latin typeface="Cambria Math" panose="02040503050406030204" pitchFamily="18" charset="0"/>
+                          </a:rPr>
+                          <m:t>5</m:t>
+                        </m:r>
+                      </m:sub>
+                      <m:sup>
+                        <m:r>
+                          <a:rPr lang="en-US" i="1">
+                            <a:latin typeface="Cambria Math" panose="02040503050406030204" pitchFamily="18" charset="0"/>
+                          </a:rPr>
+                          <m:t>10</m:t>
+                        </m:r>
+                      </m:sup>
+                      <m:e>
+                        <m:r>
+                          <a:rPr lang="en-US" i="1">
+                            <a:latin typeface="Cambria Math" panose="02040503050406030204" pitchFamily="18" charset="0"/>
+                          </a:rPr>
+                          <m:t>𝐵</m:t>
+                        </m:r>
+                        <m:r>
+                          <a:rPr lang="uk-UA" i="1">
+                            <a:latin typeface="Cambria Math" panose="02040503050406030204" pitchFamily="18" charset="0"/>
+                          </a:rPr>
+                          <m:t> 5 см</m:t>
+                        </m:r>
+                      </m:e>
+                    </m:sPre>
+                  </m:oMath>
+                </a14:m>
+                <a:r>
+                  <a:rPr lang="ru-RU" dirty="0"/>
+                  <a:t> - </a:t>
+                </a:r>
+                <a:r>
+                  <a:rPr lang="ru-RU" dirty="0" err="1"/>
+                  <a:t>поглинач</a:t>
+                </a:r>
+                <a:r>
+                  <a:rPr lang="ru-RU" dirty="0"/>
+                  <a:t> </a:t>
+                </a:r>
+                <a:r>
+                  <a:rPr lang="ru-RU" dirty="0" err="1"/>
+                  <a:t>теплових</a:t>
+                </a:r>
+                <a:r>
+                  <a:rPr lang="ru-RU" dirty="0"/>
+                  <a:t> </a:t>
+                </a:r>
+                <a:r>
+                  <a:rPr lang="ru-RU" dirty="0" err="1"/>
+                  <a:t>нейтронів</a:t>
+                </a:r>
+                <a:endParaRPr lang="ru-RU" dirty="0"/>
+              </a:p>
+              <a:p>
+                <a:r>
+                  <a:rPr lang="ru-RU" dirty="0"/>
+                  <a:t>3 – </a:t>
+                </a:r>
+                <a:r>
+                  <a:rPr lang="ru-RU" dirty="0" err="1"/>
+                  <a:t>Внутрішній</a:t>
+                </a:r>
+                <a:r>
+                  <a:rPr lang="ru-RU" dirty="0"/>
+                  <a:t> контур </a:t>
+                </a:r>
+                <a:r>
+                  <a:rPr lang="en-US" dirty="0"/>
+                  <a:t>Pb – 1 </a:t>
+                </a:r>
+                <a:r>
+                  <a:rPr lang="uk-UA" dirty="0"/>
+                  <a:t>см </a:t>
+                </a:r>
+              </a:p>
+              <a:p>
+                <a:r>
+                  <a:rPr lang="uk-UA" dirty="0"/>
+                  <a:t>Всередині захист заповнений </a:t>
+                </a:r>
+                <a:r>
+                  <a:rPr lang="uk-UA" dirty="0" err="1"/>
+                  <a:t>поітрям</a:t>
+                </a:r>
+                <a:endParaRPr lang="ru-RU" dirty="0"/>
+              </a:p>
+            </p:txBody>
+          </p:sp>
+        </mc:Choice>
+        <mc:Fallback>
+          <p:sp>
+            <p:nvSpPr>
+              <p:cNvPr id="5" name="Объект 2">
+                <a:extLst>
+                  <a:ext uri="{FF2B5EF4-FFF2-40B4-BE49-F238E27FC236}">
+                    <a16:creationId xmlns:a16="http://schemas.microsoft.com/office/drawing/2014/main" id="{8349B6D1-9A2E-42D6-B177-349620FC3C88}"/>
+                  </a:ext>
+                </a:extLst>
+              </p:cNvPr>
+              <p:cNvSpPr txBox="1">
+                <a:spLocks noRot="1" noChangeAspect="1" noMove="1" noResize="1" noEditPoints="1" noAdjustHandles="1" noChangeArrowheads="1" noChangeShapeType="1" noTextEdit="1"/>
+              </p:cNvSpPr>
+              <p:nvPr/>
+            </p:nvSpPr>
+            <p:spPr>
+              <a:xfrm>
+                <a:off x="6481013" y="1825625"/>
+                <a:ext cx="4872789" cy="4351338"/>
+              </a:xfrm>
+              <a:prstGeom prst="rect">
+                <a:avLst/>
+              </a:prstGeom>
+              <a:blipFill>
+                <a:blip r:embed="rId3"/>
+                <a:stretch>
+                  <a:fillRect l="-2250" t="-2241" r="-2125"/>
+                </a:stretch>
+              </a:blipFill>
+            </p:spPr>
+            <p:txBody>
+              <a:bodyPr/>
+              <a:lstStyle/>
+              <a:p>
+                <a:r>
+                  <a:rPr lang="ru-RU">
+                    <a:noFill/>
+                  </a:rPr>
+                  <a:t> </a:t>
+                </a:r>
+              </a:p>
+            </p:txBody>
+          </p:sp>
+        </mc:Fallback>
+      </mc:AlternateContent>
     </p:spTree>
     <p:extLst>
       <p:ext uri="{BB962C8B-B14F-4D97-AF65-F5344CB8AC3E}">
@@ -4373,7 +5358,7 @@
           <p:cNvPr id="2" name="Заголовок 1">
             <a:extLst>
               <a:ext uri="{FF2B5EF4-FFF2-40B4-BE49-F238E27FC236}">
-                <a16:creationId xmlns:a16="http://schemas.microsoft.com/office/drawing/2014/main" id="{911773D7-D251-45BD-AF9C-D5A2B2B0503A}"/>
+                <a16:creationId xmlns:a16="http://schemas.microsoft.com/office/drawing/2014/main" id="{86D327D0-9A48-491D-A9B9-C62367275DFC}"/>
               </a:ext>
             </a:extLst>
           </p:cNvPr>
@@ -4384,36 +5369,26 @@
             <p:ph type="title"/>
           </p:nvPr>
         </p:nvSpPr>
-        <p:spPr>
-          <a:xfrm>
-            <a:off x="751115" y="0"/>
-            <a:ext cx="10515600" cy="1325563"/>
-          </a:xfrm>
-        </p:spPr>
-        <p:txBody>
-          <a:bodyPr>
-            <a:normAutofit/>
-          </a:bodyPr>
-          <a:lstStyle/>
-          <a:p>
-            <a:r>
-              <a:rPr lang="uk-UA" sz="4000" b="1" dirty="0" err="1"/>
-              <a:t>Валідація</a:t>
-            </a:r>
-            <a:r>
-              <a:rPr lang="uk-UA" sz="4000" b="1" dirty="0"/>
-              <a:t> моделі </a:t>
-            </a:r>
-            <a:endParaRPr lang="ru-RU" sz="4000" b="1" dirty="0"/>
+        <p:spPr/>
+        <p:txBody>
+          <a:bodyPr/>
+          <a:lstStyle/>
+          <a:p>
+            <a:pPr algn="ctr"/>
+            <a:r>
+              <a:rPr lang="uk-UA" b="1" dirty="0"/>
+              <a:t>Хімічний та ізотопний склад досліджуваних речовин</a:t>
+            </a:r>
+            <a:endParaRPr lang="ru-RU" b="1" dirty="0"/>
           </a:p>
         </p:txBody>
       </p:sp>
       <p:pic>
         <p:nvPicPr>
-          <p:cNvPr id="6" name="Объект 5">
-            <a:extLst>
-              <a:ext uri="{FF2B5EF4-FFF2-40B4-BE49-F238E27FC236}">
-                <a16:creationId xmlns:a16="http://schemas.microsoft.com/office/drawing/2014/main" id="{C5680682-2FBF-45A0-8DBD-F8B00E14FAF3}"/>
+          <p:cNvPr id="8" name="Объект 7">
+            <a:extLst>
+              <a:ext uri="{FF2B5EF4-FFF2-40B4-BE49-F238E27FC236}">
+                <a16:creationId xmlns:a16="http://schemas.microsoft.com/office/drawing/2014/main" id="{1A69198E-77BA-4282-83AF-CD6AF10AF166}"/>
               </a:ext>
             </a:extLst>
           </p:cNvPr>
@@ -4425,28 +5400,25 @@
           </p:nvPr>
         </p:nvPicPr>
         <p:blipFill>
-          <a:blip r:embed="rId2">
-            <a:extLst>
-              <a:ext uri="{28A0092B-C50C-407E-A947-70E740481C1C}">
-                <a14:useLocalDpi xmlns:a14="http://schemas.microsoft.com/office/drawing/2010/main" val="0"/>
-              </a:ext>
-            </a:extLst>
-          </a:blip>
+          <a:blip r:embed="rId2"/>
           <a:stretch>
             <a:fillRect/>
           </a:stretch>
         </p:blipFill>
         <p:spPr>
           <a:xfrm>
-            <a:off x="751115" y="906160"/>
-            <a:ext cx="10273697" cy="5715428"/>
+            <a:off x="838200" y="2378849"/>
+            <a:ext cx="10515600" cy="3244890"/>
           </a:xfrm>
+          <a:prstGeom prst="rect">
+            <a:avLst/>
+          </a:prstGeom>
         </p:spPr>
       </p:pic>
     </p:spTree>
     <p:extLst>
       <p:ext uri="{BB962C8B-B14F-4D97-AF65-F5344CB8AC3E}">
-        <p14:creationId xmlns:p14="http://schemas.microsoft.com/office/powerpoint/2010/main" val="2282654437"/>
+        <p14:creationId xmlns:p14="http://schemas.microsoft.com/office/powerpoint/2010/main" val="3431175582"/>
       </p:ext>
     </p:extLst>
   </p:cSld>
@@ -4478,7 +5450,7 @@
           <p:cNvPr id="2" name="Заголовок 1">
             <a:extLst>
               <a:ext uri="{FF2B5EF4-FFF2-40B4-BE49-F238E27FC236}">
-                <a16:creationId xmlns:a16="http://schemas.microsoft.com/office/drawing/2014/main" id="{3C39CADD-2C0E-45E2-839B-1D2A23AF3CAF}"/>
+                <a16:creationId xmlns:a16="http://schemas.microsoft.com/office/drawing/2014/main" id="{911773D7-D251-45BD-AF9C-D5A2B2B0503A}"/>
               </a:ext>
             </a:extLst>
           </p:cNvPr>
@@ -4491,7 +5463,7 @@
         </p:nvSpPr>
         <p:spPr>
           <a:xfrm>
-            <a:off x="0" y="0"/>
+            <a:off x="751115" y="0"/>
             <a:ext cx="10515600" cy="1325563"/>
           </a:xfrm>
         </p:spPr>
@@ -4502,8 +5474,12 @@
           <a:lstStyle/>
           <a:p>
             <a:r>
+              <a:rPr lang="uk-UA" sz="4000" b="1" dirty="0" err="1"/>
+              <a:t>Валідація</a:t>
+            </a:r>
+            <a:r>
               <a:rPr lang="uk-UA" sz="4000" b="1" dirty="0"/>
-              <a:t>Результати</a:t>
+              <a:t> моделі </a:t>
             </a:r>
             <a:endParaRPr lang="ru-RU" sz="4000" b="1" dirty="0"/>
           </a:p>
@@ -4511,10 +5487,10 @@
       </p:sp>
       <p:pic>
         <p:nvPicPr>
-          <p:cNvPr id="5" name="Объект 4">
-            <a:extLst>
-              <a:ext uri="{FF2B5EF4-FFF2-40B4-BE49-F238E27FC236}">
-                <a16:creationId xmlns:a16="http://schemas.microsoft.com/office/drawing/2014/main" id="{D26A0AB2-A498-4EC9-9620-F33A0458B9BF}"/>
+          <p:cNvPr id="6" name="Объект 5">
+            <a:extLst>
+              <a:ext uri="{FF2B5EF4-FFF2-40B4-BE49-F238E27FC236}">
+                <a16:creationId xmlns:a16="http://schemas.microsoft.com/office/drawing/2014/main" id="{C5680682-2FBF-45A0-8DBD-F8B00E14FAF3}"/>
               </a:ext>
             </a:extLst>
           </p:cNvPr>
@@ -4539,15 +5515,15 @@
         </p:blipFill>
         <p:spPr>
           <a:xfrm>
-            <a:off x="993578" y="858503"/>
-            <a:ext cx="9874718" cy="5743459"/>
+            <a:off x="751115" y="906160"/>
+            <a:ext cx="10273697" cy="5715428"/>
           </a:xfrm>
         </p:spPr>
       </p:pic>
     </p:spTree>
     <p:extLst>
       <p:ext uri="{BB962C8B-B14F-4D97-AF65-F5344CB8AC3E}">
-        <p14:creationId xmlns:p14="http://schemas.microsoft.com/office/powerpoint/2010/main" val="970692314"/>
+        <p14:creationId xmlns:p14="http://schemas.microsoft.com/office/powerpoint/2010/main" val="2282654437"/>
       </p:ext>
     </p:extLst>
   </p:cSld>
@@ -4579,7 +5555,7 @@
           <p:cNvPr id="2" name="Заголовок 1">
             <a:extLst>
               <a:ext uri="{FF2B5EF4-FFF2-40B4-BE49-F238E27FC236}">
-                <a16:creationId xmlns:a16="http://schemas.microsoft.com/office/drawing/2014/main" id="{D303373A-4E9D-456E-B49B-0AC8E4AA5F36}"/>
+                <a16:creationId xmlns:a16="http://schemas.microsoft.com/office/drawing/2014/main" id="{3C39CADD-2C0E-45E2-839B-1D2A23AF3CAF}"/>
               </a:ext>
             </a:extLst>
           </p:cNvPr>
@@ -4590,7 +5566,12 @@
             <p:ph type="title"/>
           </p:nvPr>
         </p:nvSpPr>
-        <p:spPr/>
+        <p:spPr>
+          <a:xfrm>
+            <a:off x="0" y="0"/>
+            <a:ext cx="10515600" cy="1325563"/>
+          </a:xfrm>
+        </p:spPr>
         <p:txBody>
           <a:bodyPr>
             <a:normAutofit/>
@@ -4598,7 +5579,7 @@
           <a:lstStyle/>
           <a:p>
             <a:r>
-              <a:rPr lang="ru-RU" sz="4000" b="1" dirty="0" err="1"/>
+              <a:rPr lang="uk-UA" sz="4000" b="1" dirty="0"/>
               <a:t>Результати</a:t>
             </a:r>
             <a:endParaRPr lang="ru-RU" sz="4000" b="1" dirty="0"/>
@@ -4610,7 +5591,7 @@
           <p:cNvPr id="5" name="Объект 4">
             <a:extLst>
               <a:ext uri="{FF2B5EF4-FFF2-40B4-BE49-F238E27FC236}">
-                <a16:creationId xmlns:a16="http://schemas.microsoft.com/office/drawing/2014/main" id="{3CBB96C1-40EF-49D4-8C10-FC23DAA62D85}"/>
+                <a16:creationId xmlns:a16="http://schemas.microsoft.com/office/drawing/2014/main" id="{D26A0AB2-A498-4EC9-9620-F33A0458B9BF}"/>
               </a:ext>
             </a:extLst>
           </p:cNvPr>
@@ -4635,51 +5616,15 @@
         </p:blipFill>
         <p:spPr>
           <a:xfrm>
-            <a:off x="4785227" y="4223308"/>
-            <a:ext cx="2495140" cy="2525943"/>
+            <a:off x="993578" y="858503"/>
+            <a:ext cx="9874718" cy="5743459"/>
           </a:xfrm>
-        </p:spPr>
-      </p:pic>
-      <p:pic>
-        <p:nvPicPr>
-          <p:cNvPr id="7" name="Рисунок 6">
-            <a:extLst>
-              <a:ext uri="{FF2B5EF4-FFF2-40B4-BE49-F238E27FC236}">
-                <a16:creationId xmlns:a16="http://schemas.microsoft.com/office/drawing/2014/main" id="{43044326-8D75-4C63-9226-CB571BE66641}"/>
-              </a:ext>
-            </a:extLst>
-          </p:cNvPr>
-          <p:cNvPicPr>
-            <a:picLocks noChangeAspect="1"/>
-          </p:cNvPicPr>
-          <p:nvPr/>
-        </p:nvPicPr>
-        <p:blipFill>
-          <a:blip r:embed="rId3">
-            <a:extLst>
-              <a:ext uri="{28A0092B-C50C-407E-A947-70E740481C1C}">
-                <a14:useLocalDpi xmlns:a14="http://schemas.microsoft.com/office/drawing/2010/main" val="0"/>
-              </a:ext>
-            </a:extLst>
-          </a:blip>
-          <a:stretch>
-            <a:fillRect/>
-          </a:stretch>
-        </p:blipFill>
-        <p:spPr>
-          <a:xfrm>
-            <a:off x="1184366" y="1420493"/>
-            <a:ext cx="9823268" cy="2802816"/>
-          </a:xfrm>
-          <a:prstGeom prst="rect">
-            <a:avLst/>
-          </a:prstGeom>
         </p:spPr>
       </p:pic>
     </p:spTree>
     <p:extLst>
       <p:ext uri="{BB962C8B-B14F-4D97-AF65-F5344CB8AC3E}">
-        <p14:creationId xmlns:p14="http://schemas.microsoft.com/office/powerpoint/2010/main" val="1189532417"/>
+        <p14:creationId xmlns:p14="http://schemas.microsoft.com/office/powerpoint/2010/main" val="970692314"/>
       </p:ext>
     </p:extLst>
   </p:cSld>

--- a/v.haponov/Presentation/Valentyn_Haponov.pptx
+++ b/v.haponov/Presentation/Valentyn_Haponov.pptx
@@ -16,6 +16,8 @@
     <p:sldId id="264" r:id="rId10"/>
     <p:sldId id="265" r:id="rId11"/>
     <p:sldId id="266" r:id="rId12"/>
+    <p:sldId id="268" r:id="rId13"/>
+    <p:sldId id="269" r:id="rId14"/>
   </p:sldIdLst>
   <p:sldSz cx="12192000" cy="6858000"/>
   <p:notesSz cx="6858000" cy="9144000"/>
@@ -269,7 +271,7 @@
           <a:p>
             <a:fld id="{FCA662B4-D131-4ADB-BA10-D9BA9FBC173B}" type="datetimeFigureOut">
               <a:rPr lang="ru-RU" smtClean="0"/>
-              <a:t>08.06.2020</a:t>
+              <a:t>09.06.2020</a:t>
             </a:fld>
             <a:endParaRPr lang="ru-RU"/>
           </a:p>
@@ -467,7 +469,7 @@
           <a:p>
             <a:fld id="{FCA662B4-D131-4ADB-BA10-D9BA9FBC173B}" type="datetimeFigureOut">
               <a:rPr lang="ru-RU" smtClean="0"/>
-              <a:t>08.06.2020</a:t>
+              <a:t>09.06.2020</a:t>
             </a:fld>
             <a:endParaRPr lang="ru-RU"/>
           </a:p>
@@ -675,7 +677,7 @@
           <a:p>
             <a:fld id="{FCA662B4-D131-4ADB-BA10-D9BA9FBC173B}" type="datetimeFigureOut">
               <a:rPr lang="ru-RU" smtClean="0"/>
-              <a:t>08.06.2020</a:t>
+              <a:t>09.06.2020</a:t>
             </a:fld>
             <a:endParaRPr lang="ru-RU"/>
           </a:p>
@@ -873,7 +875,7 @@
           <a:p>
             <a:fld id="{FCA662B4-D131-4ADB-BA10-D9BA9FBC173B}" type="datetimeFigureOut">
               <a:rPr lang="ru-RU" smtClean="0"/>
-              <a:t>08.06.2020</a:t>
+              <a:t>09.06.2020</a:t>
             </a:fld>
             <a:endParaRPr lang="ru-RU"/>
           </a:p>
@@ -1148,7 +1150,7 @@
           <a:p>
             <a:fld id="{FCA662B4-D131-4ADB-BA10-D9BA9FBC173B}" type="datetimeFigureOut">
               <a:rPr lang="ru-RU" smtClean="0"/>
-              <a:t>08.06.2020</a:t>
+              <a:t>09.06.2020</a:t>
             </a:fld>
             <a:endParaRPr lang="ru-RU"/>
           </a:p>
@@ -1413,7 +1415,7 @@
           <a:p>
             <a:fld id="{FCA662B4-D131-4ADB-BA10-D9BA9FBC173B}" type="datetimeFigureOut">
               <a:rPr lang="ru-RU" smtClean="0"/>
-              <a:t>08.06.2020</a:t>
+              <a:t>09.06.2020</a:t>
             </a:fld>
             <a:endParaRPr lang="ru-RU"/>
           </a:p>
@@ -1825,7 +1827,7 @@
           <a:p>
             <a:fld id="{FCA662B4-D131-4ADB-BA10-D9BA9FBC173B}" type="datetimeFigureOut">
               <a:rPr lang="ru-RU" smtClean="0"/>
-              <a:t>08.06.2020</a:t>
+              <a:t>09.06.2020</a:t>
             </a:fld>
             <a:endParaRPr lang="ru-RU"/>
           </a:p>
@@ -1966,7 +1968,7 @@
           <a:p>
             <a:fld id="{FCA662B4-D131-4ADB-BA10-D9BA9FBC173B}" type="datetimeFigureOut">
               <a:rPr lang="ru-RU" smtClean="0"/>
-              <a:t>08.06.2020</a:t>
+              <a:t>09.06.2020</a:t>
             </a:fld>
             <a:endParaRPr lang="ru-RU"/>
           </a:p>
@@ -2079,7 +2081,7 @@
           <a:p>
             <a:fld id="{FCA662B4-D131-4ADB-BA10-D9BA9FBC173B}" type="datetimeFigureOut">
               <a:rPr lang="ru-RU" smtClean="0"/>
-              <a:t>08.06.2020</a:t>
+              <a:t>09.06.2020</a:t>
             </a:fld>
             <a:endParaRPr lang="ru-RU"/>
           </a:p>
@@ -2390,7 +2392,7 @@
           <a:p>
             <a:fld id="{FCA662B4-D131-4ADB-BA10-D9BA9FBC173B}" type="datetimeFigureOut">
               <a:rPr lang="ru-RU" smtClean="0"/>
-              <a:t>08.06.2020</a:t>
+              <a:t>09.06.2020</a:t>
             </a:fld>
             <a:endParaRPr lang="ru-RU"/>
           </a:p>
@@ -2678,7 +2680,7 @@
           <a:p>
             <a:fld id="{FCA662B4-D131-4ADB-BA10-D9BA9FBC173B}" type="datetimeFigureOut">
               <a:rPr lang="ru-RU" smtClean="0"/>
-              <a:t>08.06.2020</a:t>
+              <a:t>09.06.2020</a:t>
             </a:fld>
             <a:endParaRPr lang="ru-RU"/>
           </a:p>
@@ -2919,7 +2921,7 @@
           <a:p>
             <a:fld id="{FCA662B4-D131-4ADB-BA10-D9BA9FBC173B}" type="datetimeFigureOut">
               <a:rPr lang="ru-RU" smtClean="0"/>
-              <a:t>08.06.2020</a:t>
+              <a:t>09.06.2020</a:t>
             </a:fld>
             <a:endParaRPr lang="ru-RU"/>
           </a:p>
@@ -3767,6 +3769,137 @@
 </p:sld>
 </file>
 
+<file path=ppt/slides/slide12.xml><?xml version="1.0" encoding="utf-8"?>
+<p:sld xmlns:a="http://schemas.openxmlformats.org/drawingml/2006/main" xmlns:r="http://schemas.openxmlformats.org/officeDocument/2006/relationships" xmlns:p="http://schemas.openxmlformats.org/presentationml/2006/main">
+  <p:cSld>
+    <p:spTree>
+      <p:nvGrpSpPr>
+        <p:cNvPr id="1" name=""/>
+        <p:cNvGrpSpPr/>
+        <p:nvPr/>
+      </p:nvGrpSpPr>
+      <p:grpSpPr>
+        <a:xfrm>
+          <a:off x="0" y="0"/>
+          <a:ext cx="0" cy="0"/>
+          <a:chOff x="0" y="0"/>
+          <a:chExt cx="0" cy="0"/>
+        </a:xfrm>
+      </p:grpSpPr>
+      <p:sp>
+        <p:nvSpPr>
+          <p:cNvPr id="2" name="Заголовок 1">
+            <a:extLst>
+              <a:ext uri="{FF2B5EF4-FFF2-40B4-BE49-F238E27FC236}">
+                <a16:creationId xmlns:a16="http://schemas.microsoft.com/office/drawing/2014/main" id="{5BA96783-AF9E-45BF-99D5-377333BC448F}"/>
+              </a:ext>
+            </a:extLst>
+          </p:cNvPr>
+          <p:cNvSpPr>
+            <a:spLocks noGrp="1"/>
+          </p:cNvSpPr>
+          <p:nvPr>
+            <p:ph type="title"/>
+          </p:nvPr>
+        </p:nvSpPr>
+        <p:spPr>
+          <a:xfrm>
+            <a:off x="838200" y="2766218"/>
+            <a:ext cx="10515600" cy="1325563"/>
+          </a:xfrm>
+        </p:spPr>
+        <p:txBody>
+          <a:bodyPr/>
+          <a:lstStyle/>
+          <a:p>
+            <a:pPr algn="ctr"/>
+            <a:r>
+              <a:rPr lang="uk-UA" b="1" dirty="0"/>
+              <a:t>Дякую за увагу </a:t>
+            </a:r>
+            <a:endParaRPr lang="ru-RU" b="1" dirty="0"/>
+          </a:p>
+        </p:txBody>
+      </p:sp>
+    </p:spTree>
+    <p:extLst>
+      <p:ext uri="{BB962C8B-B14F-4D97-AF65-F5344CB8AC3E}">
+        <p14:creationId xmlns:p14="http://schemas.microsoft.com/office/powerpoint/2010/main" val="3845752450"/>
+      </p:ext>
+    </p:extLst>
+  </p:cSld>
+  <p:clrMapOvr>
+    <a:masterClrMapping/>
+  </p:clrMapOvr>
+</p:sld>
+</file>
+
+<file path=ppt/slides/slide13.xml><?xml version="1.0" encoding="utf-8"?>
+<p:sld xmlns:a="http://schemas.openxmlformats.org/drawingml/2006/main" xmlns:r="http://schemas.openxmlformats.org/officeDocument/2006/relationships" xmlns:p="http://schemas.openxmlformats.org/presentationml/2006/main">
+  <p:cSld>
+    <p:spTree>
+      <p:nvGrpSpPr>
+        <p:cNvPr id="1" name=""/>
+        <p:cNvGrpSpPr/>
+        <p:nvPr/>
+      </p:nvGrpSpPr>
+      <p:grpSpPr>
+        <a:xfrm>
+          <a:off x="0" y="0"/>
+          <a:ext cx="0" cy="0"/>
+          <a:chOff x="0" y="0"/>
+          <a:chExt cx="0" cy="0"/>
+        </a:xfrm>
+      </p:grpSpPr>
+      <p:pic>
+        <p:nvPicPr>
+          <p:cNvPr id="4" name="Объект 4">
+            <a:extLst>
+              <a:ext uri="{FF2B5EF4-FFF2-40B4-BE49-F238E27FC236}">
+                <a16:creationId xmlns:a16="http://schemas.microsoft.com/office/drawing/2014/main" id="{77932D23-C5B9-4C02-8AF8-3B7545483B5C}"/>
+              </a:ext>
+            </a:extLst>
+          </p:cNvPr>
+          <p:cNvPicPr>
+            <a:picLocks noChangeAspect="1"/>
+          </p:cNvPicPr>
+          <p:nvPr/>
+        </p:nvPicPr>
+        <p:blipFill>
+          <a:blip r:embed="rId2">
+            <a:extLst>
+              <a:ext uri="{28A0092B-C50C-407E-A947-70E740481C1C}">
+                <a14:useLocalDpi xmlns:a14="http://schemas.microsoft.com/office/drawing/2010/main" val="0"/>
+              </a:ext>
+            </a:extLst>
+          </a:blip>
+          <a:stretch>
+            <a:fillRect/>
+          </a:stretch>
+        </p:blipFill>
+        <p:spPr>
+          <a:xfrm>
+            <a:off x="-2" y="0"/>
+            <a:ext cx="12192001" cy="6858000"/>
+          </a:xfrm>
+          <a:prstGeom prst="rect">
+            <a:avLst/>
+          </a:prstGeom>
+        </p:spPr>
+      </p:pic>
+    </p:spTree>
+    <p:extLst>
+      <p:ext uri="{BB962C8B-B14F-4D97-AF65-F5344CB8AC3E}">
+        <p14:creationId xmlns:p14="http://schemas.microsoft.com/office/powerpoint/2010/main" val="112437279"/>
+      </p:ext>
+    </p:extLst>
+  </p:cSld>
+  <p:clrMapOvr>
+    <a:masterClrMapping/>
+  </p:clrMapOvr>
+</p:sld>
+</file>
+
 <file path=ppt/slides/slide2.xml><?xml version="1.0" encoding="utf-8"?>
 <p:sld xmlns:a="http://schemas.openxmlformats.org/drawingml/2006/main" xmlns:r="http://schemas.openxmlformats.org/officeDocument/2006/relationships" xmlns:p="http://schemas.openxmlformats.org/presentationml/2006/main">
   <p:cSld>
@@ -3863,7 +3996,18 @@
               <a:rPr lang="ru-RU" dirty="0" err="1"/>
               <a:t>Моделі</a:t>
             </a:r>
-            <a:endParaRPr lang="ru-RU" dirty="0"/>
+            <a:r>
+              <a:rPr lang="ru-RU" dirty="0"/>
+              <a:t> та </a:t>
+            </a:r>
+            <a:r>
+              <a:rPr lang="ru-RU" dirty="0" err="1"/>
+              <a:t>захисту</a:t>
+            </a:r>
+            <a:r>
+              <a:rPr lang="ru-RU" dirty="0"/>
+              <a:t> детектора</a:t>
+            </a:r>
           </a:p>
           <a:p>
             <a:r>
@@ -3928,6 +4072,18 @@
             <a:endParaRPr lang="ru-RU" dirty="0"/>
           </a:p>
           <a:p>
+            <a:r>
+              <a:rPr lang="ru-RU" dirty="0" err="1"/>
+              <a:t>Додаткові</a:t>
+            </a:r>
+            <a:r>
+              <a:rPr lang="ru-RU" dirty="0"/>
+              <a:t> </a:t>
+            </a:r>
+            <a:r>
+              <a:rPr lang="ru-RU" dirty="0" err="1"/>
+              <a:t>слайди</a:t>
+            </a:r>
             <a:endParaRPr lang="ru-RU" dirty="0"/>
           </a:p>
         </p:txBody>
@@ -4383,7 +4539,7 @@
           <a:p>
             <a:r>
               <a:rPr lang="uk-UA" b="1" dirty="0"/>
-              <a:t>Геометрія моделі</a:t>
+              <a:t>Геометрія моделі та захисту детектора</a:t>
             </a:r>
             <a:endParaRPr lang="ru-RU" b="1" dirty="0"/>
           </a:p>
@@ -4505,8 +4661,8 @@
           </a:p>
         </p:txBody>
       </p:sp>
-      <mc:AlternateContent xmlns:mc="http://schemas.openxmlformats.org/markup-compatibility/2006">
-        <mc:Choice xmlns:a14="http://schemas.microsoft.com/office/drawing/2010/main" Requires="a14">
+      <mc:AlternateContent xmlns:mc="http://schemas.openxmlformats.org/markup-compatibility/2006" xmlns:a14="http://schemas.microsoft.com/office/drawing/2010/main">
+        <mc:Choice Requires="a14">
           <p:sp>
             <p:nvSpPr>
               <p:cNvPr id="10" name="TextBox 9">
@@ -4616,7 +4772,7 @@
             </p:txBody>
           </p:sp>
         </mc:Choice>
-        <mc:Fallback>
+        <mc:Fallback xmlns="">
           <p:sp>
             <p:nvSpPr>
               <p:cNvPr id="10" name="TextBox 9">
@@ -4725,8 +4881,8 @@
           </a:p>
         </p:txBody>
       </p:sp>
-      <mc:AlternateContent xmlns:mc="http://schemas.openxmlformats.org/markup-compatibility/2006">
-        <mc:Choice xmlns:a14="http://schemas.microsoft.com/office/drawing/2010/main" Requires="a14">
+      <mc:AlternateContent xmlns:mc="http://schemas.openxmlformats.org/markup-compatibility/2006" xmlns:a14="http://schemas.microsoft.com/office/drawing/2010/main">
+        <mc:Choice Requires="a14">
           <p:sp>
             <p:nvSpPr>
               <p:cNvPr id="3" name="Объект 2">
@@ -4858,7 +5014,7 @@
             </p:txBody>
           </p:sp>
         </mc:Choice>
-        <mc:Fallback>
+        <mc:Fallback xmlns="">
           <p:sp>
             <p:nvSpPr>
               <p:cNvPr id="3" name="Объект 2">
@@ -4961,8 +5117,8 @@
           </a:p>
         </p:txBody>
       </p:sp>
-      <mc:AlternateContent xmlns:mc="http://schemas.openxmlformats.org/markup-compatibility/2006">
-        <mc:Choice xmlns:a14="http://schemas.microsoft.com/office/drawing/2010/main" Requires="a14">
+      <mc:AlternateContent xmlns:mc="http://schemas.openxmlformats.org/markup-compatibility/2006" xmlns:a14="http://schemas.microsoft.com/office/drawing/2010/main">
+        <mc:Choice Requires="a14">
           <p:sp>
             <p:nvSpPr>
               <p:cNvPr id="5" name="Объект 2">
@@ -5278,7 +5434,7 @@
             </p:txBody>
           </p:sp>
         </mc:Choice>
-        <mc:Fallback>
+        <mc:Fallback xmlns="">
           <p:sp>
             <p:nvSpPr>
               <p:cNvPr id="5" name="Объект 2">
@@ -5515,11 +5671,174 @@
         </p:blipFill>
         <p:spPr>
           <a:xfrm>
-            <a:off x="751115" y="906160"/>
-            <a:ext cx="10273697" cy="5715428"/>
+            <a:off x="4950932" y="1012606"/>
+            <a:ext cx="7127856" cy="4832788"/>
           </a:xfrm>
         </p:spPr>
       </p:pic>
+      <p:sp>
+        <p:nvSpPr>
+          <p:cNvPr id="4" name="TextBox 3">
+            <a:extLst>
+              <a:ext uri="{FF2B5EF4-FFF2-40B4-BE49-F238E27FC236}">
+                <a16:creationId xmlns:a16="http://schemas.microsoft.com/office/drawing/2014/main" id="{E92A91C8-379F-4406-9F91-D17A85F71249}"/>
+              </a:ext>
+            </a:extLst>
+          </p:cNvPr>
+          <p:cNvSpPr txBox="1"/>
+          <p:nvPr/>
+        </p:nvSpPr>
+        <p:spPr>
+          <a:xfrm>
+            <a:off x="513806" y="1236617"/>
+            <a:ext cx="4162397" cy="1200329"/>
+          </a:xfrm>
+          <a:prstGeom prst="rect">
+            <a:avLst/>
+          </a:prstGeom>
+          <a:noFill/>
+        </p:spPr>
+        <p:txBody>
+          <a:bodyPr wrap="square" rtlCol="0">
+            <a:spAutoFit/>
+          </a:bodyPr>
+          <a:lstStyle/>
+          <a:p>
+            <a:r>
+              <a:rPr lang="uk-UA" dirty="0"/>
+              <a:t>Запропонована модель, та модель з проекту </a:t>
+            </a:r>
+            <a:r>
+              <a:rPr lang="en-US" dirty="0"/>
+              <a:t>SABAT </a:t>
+            </a:r>
+            <a:r>
+              <a:rPr lang="uk-UA" dirty="0"/>
+              <a:t>знаходяться у схожих умовах, тому щоб </a:t>
+            </a:r>
+            <a:r>
+              <a:rPr lang="uk-UA" dirty="0" err="1"/>
+              <a:t>валідувати</a:t>
+            </a:r>
+            <a:r>
+              <a:rPr lang="uk-UA" dirty="0"/>
+              <a:t> модель був набраний спектр гірчичного газу </a:t>
+            </a:r>
+            <a:endParaRPr lang="ru-RU" dirty="0"/>
+          </a:p>
+        </p:txBody>
+      </p:sp>
+      <p:pic>
+        <p:nvPicPr>
+          <p:cNvPr id="5" name="Рисунок 4">
+            <a:extLst>
+              <a:ext uri="{FF2B5EF4-FFF2-40B4-BE49-F238E27FC236}">
+                <a16:creationId xmlns:a16="http://schemas.microsoft.com/office/drawing/2014/main" id="{FD61563B-9AF6-4820-8391-07EDCDCA7721}"/>
+              </a:ext>
+            </a:extLst>
+          </p:cNvPr>
+          <p:cNvPicPr>
+            <a:picLocks noChangeAspect="1"/>
+          </p:cNvPicPr>
+          <p:nvPr/>
+        </p:nvPicPr>
+        <p:blipFill>
+          <a:blip r:embed="rId3"/>
+          <a:stretch>
+            <a:fillRect/>
+          </a:stretch>
+        </p:blipFill>
+        <p:spPr>
+          <a:xfrm>
+            <a:off x="317977" y="3021874"/>
+            <a:ext cx="4778306" cy="3339737"/>
+          </a:xfrm>
+          <a:prstGeom prst="rect">
+            <a:avLst/>
+          </a:prstGeom>
+        </p:spPr>
+      </p:pic>
+      <p:sp>
+        <p:nvSpPr>
+          <p:cNvPr id="7" name="TextBox 6">
+            <a:extLst>
+              <a:ext uri="{FF2B5EF4-FFF2-40B4-BE49-F238E27FC236}">
+                <a16:creationId xmlns:a16="http://schemas.microsoft.com/office/drawing/2014/main" id="{91D14F98-F820-4E4A-A7D3-A286C0879159}"/>
+              </a:ext>
+            </a:extLst>
+          </p:cNvPr>
+          <p:cNvSpPr txBox="1"/>
+          <p:nvPr/>
+        </p:nvSpPr>
+        <p:spPr>
+          <a:xfrm>
+            <a:off x="446372" y="2505854"/>
+            <a:ext cx="4376166" cy="646331"/>
+          </a:xfrm>
+          <a:prstGeom prst="rect">
+            <a:avLst/>
+          </a:prstGeom>
+          <a:noFill/>
+        </p:spPr>
+        <p:txBody>
+          <a:bodyPr wrap="square" rtlCol="0">
+            <a:spAutoFit/>
+          </a:bodyPr>
+          <a:lstStyle/>
+          <a:p>
+            <a:pPr algn="ctr"/>
+            <a:r>
+              <a:rPr lang="uk-UA" dirty="0"/>
+              <a:t>Таблиця піків гірчичного газу, по яким проводилась </a:t>
+            </a:r>
+            <a:r>
+              <a:rPr lang="uk-UA" dirty="0" err="1"/>
+              <a:t>валідація</a:t>
+            </a:r>
+            <a:endParaRPr lang="ru-RU" dirty="0"/>
+          </a:p>
+        </p:txBody>
+      </p:sp>
+      <p:sp>
+        <p:nvSpPr>
+          <p:cNvPr id="8" name="TextBox 7">
+            <a:extLst>
+              <a:ext uri="{FF2B5EF4-FFF2-40B4-BE49-F238E27FC236}">
+                <a16:creationId xmlns:a16="http://schemas.microsoft.com/office/drawing/2014/main" id="{0CB497F7-8BB8-4514-B084-3758931AAC00}"/>
+              </a:ext>
+            </a:extLst>
+          </p:cNvPr>
+          <p:cNvSpPr txBox="1"/>
+          <p:nvPr/>
+        </p:nvSpPr>
+        <p:spPr>
+          <a:xfrm>
+            <a:off x="5525474" y="5845394"/>
+            <a:ext cx="6348549" cy="369332"/>
+          </a:xfrm>
+          <a:prstGeom prst="rect">
+            <a:avLst/>
+          </a:prstGeom>
+          <a:noFill/>
+        </p:spPr>
+        <p:txBody>
+          <a:bodyPr wrap="square" rtlCol="0">
+            <a:spAutoFit/>
+          </a:bodyPr>
+          <a:lstStyle/>
+          <a:p>
+            <a:r>
+              <a:rPr lang="uk-UA" dirty="0"/>
+              <a:t>Спектр гірчичного газу, при опроміненні нейтронами 14.1 </a:t>
+            </a:r>
+            <a:r>
+              <a:rPr lang="uk-UA" dirty="0" err="1"/>
+              <a:t>МеВ</a:t>
+            </a:r>
+            <a:endParaRPr lang="ru-RU" dirty="0"/>
+          </a:p>
+        </p:txBody>
+      </p:sp>
     </p:spTree>
     <p:extLst>
       <p:ext uri="{BB962C8B-B14F-4D97-AF65-F5344CB8AC3E}">
@@ -5568,7 +5887,7 @@
         </p:nvSpPr>
         <p:spPr>
           <a:xfrm>
-            <a:off x="0" y="0"/>
+            <a:off x="609600" y="195721"/>
             <a:ext cx="10515600" cy="1325563"/>
           </a:xfrm>
         </p:spPr>
@@ -5616,8 +5935,8 @@
         </p:blipFill>
         <p:spPr>
           <a:xfrm>
-            <a:off x="993578" y="858503"/>
-            <a:ext cx="9874718" cy="5743459"/>
+            <a:off x="1289270" y="1154594"/>
+            <a:ext cx="9204559" cy="5353673"/>
           </a:xfrm>
         </p:spPr>
       </p:pic>
